--- a/Exploring Biodiversity & Conservation in National Parks.pptx
+++ b/Exploring Biodiversity & Conservation in National Parks.pptx
@@ -16168,7 +16168,7 @@
             </a:pPr>
             <a:r>
               <a:rPr lang="es"/>
-              <a:t>Introduction to biodiversity analysis and conservation strategies.</a:t>
+              <a:t>Data-Driven Insights for Conservation Strategies.</a:t>
             </a:r>
             <a:endParaRPr/>
           </a:p>
@@ -16365,7 +16365,7 @@
         </p:nvSpPr>
         <p:spPr>
           <a:xfrm>
-            <a:off x="1303800" y="1648800"/>
+            <a:off x="1303800" y="1627325"/>
             <a:ext cx="7030500" cy="2883000"/>
           </a:xfrm>
           <a:prstGeom prst="rect">
@@ -16374,7 +16374,7 @@
         </p:spPr>
         <p:txBody>
           <a:bodyPr anchorCtr="0" anchor="t" bIns="91425" lIns="91425" spcFirstLastPara="1" rIns="91425" wrap="square" tIns="91425">
-            <a:normAutofit/>
+            <a:normAutofit lnSpcReduction="10000"/>
           </a:bodyPr>
           <a:lstStyle/>
           <a:p>
@@ -16409,7 +16409,155 @@
                 <a:cs typeface="Arial"/>
                 <a:sym typeface="Arial"/>
               </a:rPr>
-              <a:t>Sample Size Calculation for Disease Monitoring</a:t>
+              <a:t>Introduction:</a:t>
+            </a:r>
+            <a:r>
+              <a:rPr lang="es" sz="1100">
+                <a:solidFill>
+                  <a:srgbClr val="000000"/>
+                </a:solidFill>
+                <a:latin typeface="Arial"/>
+                <a:ea typeface="Arial"/>
+                <a:cs typeface="Arial"/>
+                <a:sym typeface="Arial"/>
+              </a:rPr>
+              <a:t> This visualization presents the statistical approach used to determine the required sample size for </a:t>
+            </a:r>
+            <a:r>
+              <a:rPr b="1" lang="es" sz="1100">
+                <a:solidFill>
+                  <a:srgbClr val="000000"/>
+                </a:solidFill>
+                <a:latin typeface="Arial"/>
+                <a:ea typeface="Arial"/>
+                <a:cs typeface="Arial"/>
+                <a:sym typeface="Arial"/>
+              </a:rPr>
+              <a:t>foot and mouth disease prevalence estimation</a:t>
+            </a:r>
+            <a:r>
+              <a:rPr lang="es" sz="1100">
+                <a:solidFill>
+                  <a:srgbClr val="000000"/>
+                </a:solidFill>
+                <a:latin typeface="Arial"/>
+                <a:ea typeface="Arial"/>
+                <a:cs typeface="Arial"/>
+                <a:sym typeface="Arial"/>
+              </a:rPr>
+              <a:t>.</a:t>
+            </a:r>
+            <a:endParaRPr sz="1100">
+              <a:solidFill>
+                <a:srgbClr val="000000"/>
+              </a:solidFill>
+              <a:latin typeface="Arial"/>
+              <a:ea typeface="Arial"/>
+              <a:cs typeface="Arial"/>
+              <a:sym typeface="Arial"/>
+            </a:endParaRPr>
+          </a:p>
+          <a:p>
+            <a:pPr indent="0" lvl="0" marL="0" rtl="0" algn="l">
+              <a:spcBef>
+                <a:spcPts val="1200"/>
+              </a:spcBef>
+              <a:spcAft>
+                <a:spcPts val="0"/>
+              </a:spcAft>
+              <a:buNone/>
+            </a:pPr>
+            <a:r>
+              <a:rPr lang="es" sz="1100">
+                <a:solidFill>
+                  <a:srgbClr val="000000"/>
+                </a:solidFill>
+                <a:latin typeface="Arial"/>
+                <a:ea typeface="Arial"/>
+                <a:cs typeface="Arial"/>
+                <a:sym typeface="Arial"/>
+              </a:rPr>
+              <a:t>🖼 </a:t>
+            </a:r>
+            <a:r>
+              <a:rPr b="1" lang="es" sz="1100">
+                <a:solidFill>
+                  <a:srgbClr val="000000"/>
+                </a:solidFill>
+                <a:latin typeface="Arial"/>
+                <a:ea typeface="Arial"/>
+                <a:cs typeface="Arial"/>
+                <a:sym typeface="Arial"/>
+              </a:rPr>
+              <a:t>Graph &amp; Caption:</a:t>
+            </a:r>
+            <a:r>
+              <a:rPr lang="es" sz="1100">
+                <a:solidFill>
+                  <a:srgbClr val="000000"/>
+                </a:solidFill>
+                <a:latin typeface="Arial"/>
+                <a:ea typeface="Arial"/>
+                <a:cs typeface="Arial"/>
+                <a:sym typeface="Arial"/>
+              </a:rPr>
+              <a:t> </a:t>
+            </a:r>
+            <a:r>
+              <a:rPr i="1" lang="es" sz="1100">
+                <a:solidFill>
+                  <a:srgbClr val="000000"/>
+                </a:solidFill>
+                <a:latin typeface="Arial"/>
+                <a:ea typeface="Arial"/>
+                <a:cs typeface="Arial"/>
+                <a:sym typeface="Arial"/>
+              </a:rPr>
+              <a:t>Figure: Sample Size Calculation for Disease Monitoring</a:t>
+            </a:r>
+            <a:endParaRPr i="1" sz="1100">
+              <a:solidFill>
+                <a:srgbClr val="000000"/>
+              </a:solidFill>
+              <a:latin typeface="Arial"/>
+              <a:ea typeface="Arial"/>
+              <a:cs typeface="Arial"/>
+              <a:sym typeface="Arial"/>
+            </a:endParaRPr>
+          </a:p>
+          <a:p>
+            <a:pPr indent="0" lvl="0" marL="0" rtl="0" algn="l">
+              <a:spcBef>
+                <a:spcPts val="1200"/>
+              </a:spcBef>
+              <a:spcAft>
+                <a:spcPts val="0"/>
+              </a:spcAft>
+              <a:buNone/>
+            </a:pPr>
+            <a:r>
+              <a:rPr lang="es" sz="1100">
+                <a:solidFill>
+                  <a:srgbClr val="000000"/>
+                </a:solidFill>
+                <a:latin typeface="Arial"/>
+                <a:ea typeface="Arial"/>
+                <a:cs typeface="Arial"/>
+                <a:sym typeface="Arial"/>
+              </a:rPr>
+              <a:t>🔍 </a:t>
+            </a:r>
+            <a:r>
+              <a:rPr b="1" lang="es" sz="1100">
+                <a:solidFill>
+                  <a:srgbClr val="000000"/>
+                </a:solidFill>
+                <a:latin typeface="Arial"/>
+                <a:ea typeface="Arial"/>
+                <a:cs typeface="Arial"/>
+                <a:sym typeface="Arial"/>
+              </a:rPr>
+              <a:t>Key Insights:</a:t>
             </a:r>
             <a:endParaRPr b="1" sz="1100">
               <a:solidFill>
@@ -16422,17 +16570,22 @@
             </a:endParaRPr>
           </a:p>
           <a:p>
-            <a:pPr indent="0" lvl="0" marL="0" rtl="0" algn="l">
+            <a:pPr indent="-298450" lvl="0" marL="457200" rtl="0" algn="l">
               <a:spcBef>
                 <a:spcPts val="1200"/>
               </a:spcBef>
               <a:spcAft>
                 <a:spcPts val="0"/>
               </a:spcAft>
-              <a:buNone/>
+              <a:buClr>
+                <a:srgbClr val="000000"/>
+              </a:buClr>
+              <a:buSzPts val="1100"/>
+              <a:buFont typeface="Arial"/>
+              <a:buChar char="●"/>
             </a:pPr>
             <a:r>
-              <a:rPr lang="es" sz="1100">
+              <a:rPr b="1" lang="es" sz="1100">
                 <a:solidFill>
                   <a:srgbClr val="000000"/>
                 </a:solidFill>
@@ -16441,19 +16594,7 @@
                 <a:cs typeface="Arial"/>
                 <a:sym typeface="Arial"/>
               </a:rPr>
-              <a:t>🔬 </a:t>
-            </a:r>
-            <a:r>
-              <a:rPr b="1" lang="es" sz="1100">
-                <a:solidFill>
-                  <a:srgbClr val="000000"/>
-                </a:solidFill>
-                <a:latin typeface="Arial"/>
-                <a:ea typeface="Arial"/>
-                <a:cs typeface="Arial"/>
-                <a:sym typeface="Arial"/>
-              </a:rPr>
-              <a:t>Formula applied:</a:t>
+              <a:t>Statistical formula applied:</a:t>
             </a:r>
             <a:r>
               <a:rPr lang="es" sz="1100">
@@ -16480,7 +16621,7 @@
           <a:p>
             <a:pPr indent="-298450" lvl="0" marL="457200" rtl="0" algn="l">
               <a:spcBef>
-                <a:spcPts val="1200"/>
+                <a:spcPts val="0"/>
               </a:spcBef>
               <a:spcAft>
                 <a:spcPts val="0"/>
@@ -16493,7 +16634,7 @@
               <a:buChar char="●"/>
             </a:pPr>
             <a:r>
-              <a:rPr lang="es" sz="1100">
+              <a:rPr b="1" lang="es" sz="1100">
                 <a:solidFill>
                   <a:srgbClr val="000000"/>
                 </a:solidFill>
@@ -16502,10 +16643,10 @@
                 <a:cs typeface="Arial"/>
                 <a:sym typeface="Arial"/>
               </a:rPr>
-              <a:t>📊 </a:t>
-            </a:r>
-            <a:r>
-              <a:rPr b="1" lang="es" sz="1100">
+              <a:t>Z-score used:</a:t>
+            </a:r>
+            <a:r>
+              <a:rPr lang="es" sz="1100">
                 <a:solidFill>
                   <a:srgbClr val="000000"/>
                 </a:solidFill>
@@ -16514,19 +16655,7 @@
                 <a:cs typeface="Arial"/>
                 <a:sym typeface="Arial"/>
               </a:rPr>
-              <a:t>Study parameters:</a:t>
-            </a:r>
-            <a:r>
-              <a:rPr lang="es" sz="1100">
-                <a:solidFill>
-                  <a:srgbClr val="000000"/>
-                </a:solidFill>
-                <a:latin typeface="Arial"/>
-                <a:ea typeface="Arial"/>
-                <a:cs typeface="Arial"/>
-                <a:sym typeface="Arial"/>
-              </a:rPr>
-              <a:t> </a:t>
+              <a:t> 1.96 (for 95% confidence level).</a:t>
             </a:r>
             <a:endParaRPr sz="1100">
               <a:solidFill>
@@ -16554,7 +16683,7 @@
               <a:buChar char="●"/>
             </a:pPr>
             <a:r>
-              <a:rPr lang="es" sz="1100">
+              <a:rPr b="1" lang="es" sz="1100">
                 <a:solidFill>
                   <a:srgbClr val="000000"/>
                 </a:solidFill>
@@ -16563,10 +16692,10 @@
                 <a:cs typeface="Arial"/>
                 <a:sym typeface="Arial"/>
               </a:rPr>
-              <a:t>✅ </a:t>
-            </a:r>
-            <a:r>
-              <a:rPr b="1" lang="es" sz="1100">
+              <a:t>Estimated disease prevalence:</a:t>
+            </a:r>
+            <a:r>
+              <a:rPr lang="es" sz="1100">
                 <a:solidFill>
                   <a:srgbClr val="000000"/>
                 </a:solidFill>
@@ -16575,19 +16704,7 @@
                 <a:cs typeface="Arial"/>
                 <a:sym typeface="Arial"/>
               </a:rPr>
-              <a:t>Z-score:</a:t>
-            </a:r>
-            <a:r>
-              <a:rPr lang="es" sz="1100">
-                <a:solidFill>
-                  <a:srgbClr val="000000"/>
-                </a:solidFill>
-                <a:latin typeface="Arial"/>
-                <a:ea typeface="Arial"/>
-                <a:cs typeface="Arial"/>
-                <a:sym typeface="Arial"/>
-              </a:rPr>
-              <a:t> 1.96 (95% confidence level) </a:t>
+              <a:t> 5%.</a:t>
             </a:r>
             <a:endParaRPr sz="1100">
               <a:solidFill>
@@ -16615,7 +16732,7 @@
               <a:buChar char="●"/>
             </a:pPr>
             <a:r>
-              <a:rPr lang="es" sz="1100">
+              <a:rPr b="1" lang="es" sz="1100">
                 <a:solidFill>
                   <a:srgbClr val="000000"/>
                 </a:solidFill>
@@ -16624,10 +16741,10 @@
                 <a:cs typeface="Arial"/>
                 <a:sym typeface="Arial"/>
               </a:rPr>
-              <a:t>✅ </a:t>
-            </a:r>
-            <a:r>
-              <a:rPr b="1" lang="es" sz="1100">
+              <a:t>Final sample size:</a:t>
+            </a:r>
+            <a:r>
+              <a:rPr lang="es" sz="1100">
                 <a:solidFill>
                   <a:srgbClr val="000000"/>
                 </a:solidFill>
@@ -16636,10 +16753,10 @@
                 <a:cs typeface="Arial"/>
                 <a:sym typeface="Arial"/>
               </a:rPr>
-              <a:t>Estimated prevalence:</a:t>
-            </a:r>
-            <a:r>
-              <a:rPr lang="es" sz="1100">
+              <a:t> </a:t>
+            </a:r>
+            <a:r>
+              <a:rPr b="1" lang="es" sz="1100">
                 <a:solidFill>
                   <a:srgbClr val="000000"/>
                 </a:solidFill>
@@ -16648,7 +16765,19 @@
                 <a:cs typeface="Arial"/>
                 <a:sym typeface="Arial"/>
               </a:rPr>
-              <a:t> 5% </a:t>
+              <a:t>73 observations</a:t>
+            </a:r>
+            <a:r>
+              <a:rPr lang="es" sz="1100">
+                <a:solidFill>
+                  <a:srgbClr val="000000"/>
+                </a:solidFill>
+                <a:latin typeface="Arial"/>
+                <a:ea typeface="Arial"/>
+                <a:cs typeface="Arial"/>
+                <a:sym typeface="Arial"/>
+              </a:rPr>
+              <a:t> (adjusted).</a:t>
             </a:r>
             <a:endParaRPr sz="1100">
               <a:solidFill>
@@ -16676,7 +16805,7 @@
               <a:buChar char="●"/>
             </a:pPr>
             <a:r>
-              <a:rPr lang="es" sz="1100">
+              <a:rPr b="1" lang="es" sz="1100">
                 <a:solidFill>
                   <a:srgbClr val="000000"/>
                 </a:solidFill>
@@ -16685,10 +16814,10 @@
                 <a:cs typeface="Arial"/>
                 <a:sym typeface="Arial"/>
               </a:rPr>
-              <a:t>✅ </a:t>
-            </a:r>
-            <a:r>
-              <a:rPr b="1" lang="es" sz="1100">
+              <a:t>Ensures epidemiological research validity</a:t>
+            </a:r>
+            <a:r>
+              <a:rPr lang="es" sz="1100">
                 <a:solidFill>
                   <a:srgbClr val="000000"/>
                 </a:solidFill>
@@ -16697,19 +16826,7 @@
                 <a:cs typeface="Arial"/>
                 <a:sym typeface="Arial"/>
               </a:rPr>
-              <a:t>Margin of error:</a:t>
-            </a:r>
-            <a:r>
-              <a:rPr lang="es" sz="1100">
-                <a:solidFill>
-                  <a:srgbClr val="000000"/>
-                </a:solidFill>
-                <a:latin typeface="Arial"/>
-                <a:ea typeface="Arial"/>
-                <a:cs typeface="Arial"/>
-                <a:sym typeface="Arial"/>
-              </a:rPr>
-              <a:t> 5%</a:t>
+              <a:t>, supporting effective disease monitoring.</a:t>
             </a:r>
             <a:endParaRPr sz="1100">
               <a:solidFill>
@@ -16727,7 +16844,7 @@
                 <a:spcPts val="1200"/>
               </a:spcBef>
               <a:spcAft>
-                <a:spcPts val="0"/>
+                <a:spcPts val="1200"/>
               </a:spcAft>
               <a:buNone/>
             </a:pPr>
@@ -16741,7 +16858,7 @@
                 <a:cs typeface="Arial"/>
                 <a:sym typeface="Arial"/>
               </a:rPr>
-              <a:t>📌 </a:t>
+              <a:t>💡 </a:t>
             </a:r>
             <a:r>
               <a:rPr b="1" lang="es" sz="1100">
@@ -16753,35 +16870,10 @@
                 <a:cs typeface="Arial"/>
                 <a:sym typeface="Arial"/>
               </a:rPr>
-              <a:t>Results</a:t>
-            </a:r>
-            <a:endParaRPr b="1" sz="1100">
-              <a:solidFill>
-                <a:srgbClr val="000000"/>
-              </a:solidFill>
-              <a:latin typeface="Arial"/>
-              <a:ea typeface="Arial"/>
-              <a:cs typeface="Arial"/>
-              <a:sym typeface="Arial"/>
-            </a:endParaRPr>
-          </a:p>
-          <a:p>
-            <a:pPr indent="-298450" lvl="0" marL="457200" rtl="0" algn="l">
-              <a:spcBef>
-                <a:spcPts val="1200"/>
-              </a:spcBef>
-              <a:spcAft>
-                <a:spcPts val="0"/>
-              </a:spcAft>
-              <a:buClr>
-                <a:srgbClr val="000000"/>
-              </a:buClr>
-              <a:buSzPts val="1100"/>
-              <a:buFont typeface="Arial"/>
-              <a:buChar char="●"/>
-            </a:pPr>
-            <a:r>
-              <a:rPr b="1" lang="es" sz="1100">
+              <a:t>Takeaway:</a:t>
+            </a:r>
+            <a:r>
+              <a:rPr lang="es" sz="1100">
                 <a:solidFill>
                   <a:srgbClr val="000000"/>
                 </a:solidFill>
@@ -16790,10 +16882,10 @@
                 <a:cs typeface="Arial"/>
                 <a:sym typeface="Arial"/>
               </a:rPr>
-              <a:t>Required Sample Size (without adjustment):</a:t>
-            </a:r>
-            <a:r>
-              <a:rPr lang="es" sz="1100">
+              <a:t> Accurate sample size determination is essential for </a:t>
+            </a:r>
+            <a:r>
+              <a:rPr b="1" lang="es" sz="1100">
                 <a:solidFill>
                   <a:srgbClr val="000000"/>
                 </a:solidFill>
@@ -16802,7 +16894,19 @@
                 <a:cs typeface="Arial"/>
                 <a:sym typeface="Arial"/>
               </a:rPr>
-              <a:t> 73</a:t>
+              <a:t>epidemiological studies</a:t>
+            </a:r>
+            <a:r>
+              <a:rPr lang="es" sz="1100">
+                <a:solidFill>
+                  <a:srgbClr val="000000"/>
+                </a:solidFill>
+                <a:latin typeface="Arial"/>
+                <a:ea typeface="Arial"/>
+                <a:cs typeface="Arial"/>
+                <a:sym typeface="Arial"/>
+              </a:rPr>
+              <a:t>, ensuring valid disease prevalence estimates to guide public health interventions.</a:t>
             </a:r>
             <a:endParaRPr sz="1100">
               <a:solidFill>
@@ -16813,103 +16917,6 @@
               <a:cs typeface="Arial"/>
               <a:sym typeface="Arial"/>
             </a:endParaRPr>
-          </a:p>
-          <a:p>
-            <a:pPr indent="-298450" lvl="0" marL="457200" rtl="0" algn="l">
-              <a:spcBef>
-                <a:spcPts val="0"/>
-              </a:spcBef>
-              <a:spcAft>
-                <a:spcPts val="0"/>
-              </a:spcAft>
-              <a:buClr>
-                <a:srgbClr val="000000"/>
-              </a:buClr>
-              <a:buSzPts val="1100"/>
-              <a:buFont typeface="Arial"/>
-              <a:buChar char="●"/>
-            </a:pPr>
-            <a:r>
-              <a:rPr b="1" lang="es" sz="1100">
-                <a:solidFill>
-                  <a:srgbClr val="000000"/>
-                </a:solidFill>
-                <a:latin typeface="Arial"/>
-                <a:ea typeface="Arial"/>
-                <a:cs typeface="Arial"/>
-                <a:sym typeface="Arial"/>
-              </a:rPr>
-              <a:t>Adjusted Sample Size (with population correction):</a:t>
-            </a:r>
-            <a:r>
-              <a:rPr lang="es" sz="1100">
-                <a:solidFill>
-                  <a:srgbClr val="000000"/>
-                </a:solidFill>
-                <a:latin typeface="Arial"/>
-                <a:ea typeface="Arial"/>
-                <a:cs typeface="Arial"/>
-                <a:sym typeface="Arial"/>
-              </a:rPr>
-              <a:t> 73</a:t>
-            </a:r>
-            <a:endParaRPr sz="1100">
-              <a:solidFill>
-                <a:srgbClr val="000000"/>
-              </a:solidFill>
-              <a:latin typeface="Arial"/>
-              <a:ea typeface="Arial"/>
-              <a:cs typeface="Arial"/>
-              <a:sym typeface="Arial"/>
-            </a:endParaRPr>
-          </a:p>
-          <a:p>
-            <a:pPr indent="0" lvl="0" marL="0" rtl="0" algn="l">
-              <a:spcBef>
-                <a:spcPts val="1200"/>
-              </a:spcBef>
-              <a:spcAft>
-                <a:spcPts val="1200"/>
-              </a:spcAft>
-              <a:buNone/>
-            </a:pPr>
-            <a:r>
-              <a:rPr lang="es" sz="1100">
-                <a:solidFill>
-                  <a:srgbClr val="000000"/>
-                </a:solidFill>
-                <a:latin typeface="Arial"/>
-                <a:ea typeface="Arial"/>
-                <a:cs typeface="Arial"/>
-                <a:sym typeface="Arial"/>
-              </a:rPr>
-              <a:t>💡 </a:t>
-            </a:r>
-            <a:r>
-              <a:rPr b="1" lang="es" sz="1100">
-                <a:solidFill>
-                  <a:srgbClr val="000000"/>
-                </a:solidFill>
-                <a:latin typeface="Arial"/>
-                <a:ea typeface="Arial"/>
-                <a:cs typeface="Arial"/>
-                <a:sym typeface="Arial"/>
-              </a:rPr>
-              <a:t>Ensures an accurate estimate for epidemiological studies</a:t>
-            </a:r>
-            <a:r>
-              <a:rPr lang="es" sz="1100">
-                <a:solidFill>
-                  <a:srgbClr val="000000"/>
-                </a:solidFill>
-                <a:latin typeface="Arial"/>
-                <a:ea typeface="Arial"/>
-                <a:cs typeface="Arial"/>
-                <a:sym typeface="Arial"/>
-              </a:rPr>
-              <a:t>.</a:t>
-            </a:r>
-            <a:endParaRPr/>
           </a:p>
         </p:txBody>
       </p:sp>
@@ -16929,7 +16936,7 @@
         </p:blipFill>
         <p:spPr>
           <a:xfrm>
-            <a:off x="2701200" y="2300850"/>
+            <a:off x="3682600" y="2687675"/>
             <a:ext cx="1275439" cy="307050"/>
           </a:xfrm>
           <a:prstGeom prst="rect">
@@ -17025,21 +17032,25 @@
         </p:spPr>
         <p:txBody>
           <a:bodyPr anchorCtr="0" anchor="t" bIns="91425" lIns="91425" spcFirstLastPara="1" rIns="91425" wrap="square" tIns="91425">
-            <a:normAutofit/>
+            <a:noAutofit/>
           </a:bodyPr>
           <a:lstStyle/>
           <a:p>
             <a:pPr indent="0" lvl="0" marL="0" rtl="0" algn="l">
-              <a:spcBef>
-                <a:spcPts val="1200"/>
-              </a:spcBef>
-              <a:spcAft>
-                <a:spcPts val="0"/>
-              </a:spcAft>
+              <a:lnSpc>
+                <a:spcPct val="95000"/>
+              </a:lnSpc>
+              <a:spcBef>
+                <a:spcPts val="1400"/>
+              </a:spcBef>
+              <a:spcAft>
+                <a:spcPts val="0"/>
+              </a:spcAft>
+              <a:buSzPts val="770"/>
               <a:buNone/>
             </a:pPr>
             <a:r>
-              <a:rPr lang="es" sz="1100">
+              <a:rPr b="1" lang="es" sz="1110">
                 <a:solidFill>
                   <a:srgbClr val="000000"/>
                 </a:solidFill>
@@ -17048,216 +17059,9 @@
                 <a:cs typeface="Arial"/>
                 <a:sym typeface="Arial"/>
               </a:rPr>
-              <a:t>📌 </a:t>
-            </a:r>
-            <a:r>
-              <a:rPr b="1" lang="es" sz="1100">
-                <a:solidFill>
-                  <a:srgbClr val="000000"/>
-                </a:solidFill>
-                <a:latin typeface="Arial"/>
-                <a:ea typeface="Arial"/>
-                <a:cs typeface="Arial"/>
-                <a:sym typeface="Arial"/>
-              </a:rPr>
-              <a:t>Summary of Results &amp; Next Steps</a:t>
-            </a:r>
-            <a:r>
-              <a:rPr lang="es" sz="1100">
-                <a:solidFill>
-                  <a:srgbClr val="000000"/>
-                </a:solidFill>
-                <a:latin typeface="Arial"/>
-                <a:ea typeface="Arial"/>
-                <a:cs typeface="Arial"/>
-                <a:sym typeface="Arial"/>
-              </a:rPr>
-              <a:t> </a:t>
-            </a:r>
-            <a:endParaRPr sz="1100">
-              <a:solidFill>
-                <a:srgbClr val="000000"/>
-              </a:solidFill>
-              <a:latin typeface="Arial"/>
-              <a:ea typeface="Arial"/>
-              <a:cs typeface="Arial"/>
-              <a:sym typeface="Arial"/>
-            </a:endParaRPr>
-          </a:p>
-          <a:p>
-            <a:pPr indent="-298450" lvl="0" marL="457200" rtl="0" algn="l">
-              <a:spcBef>
-                <a:spcPts val="1200"/>
-              </a:spcBef>
-              <a:spcAft>
-                <a:spcPts val="0"/>
-              </a:spcAft>
-              <a:buClr>
-                <a:srgbClr val="000000"/>
-              </a:buClr>
-              <a:buSzPts val="1100"/>
-              <a:buFont typeface="Arial"/>
-              <a:buChar char="●"/>
-            </a:pPr>
-            <a:r>
-              <a:rPr lang="es" sz="1100">
-                <a:solidFill>
-                  <a:srgbClr val="000000"/>
-                </a:solidFill>
-                <a:latin typeface="Arial"/>
-                <a:ea typeface="Arial"/>
-                <a:cs typeface="Arial"/>
-                <a:sym typeface="Arial"/>
-              </a:rPr>
-              <a:t>✅ </a:t>
-            </a:r>
-            <a:r>
-              <a:rPr b="1" lang="es" sz="1100">
-                <a:solidFill>
-                  <a:srgbClr val="000000"/>
-                </a:solidFill>
-                <a:latin typeface="Arial"/>
-                <a:ea typeface="Arial"/>
-                <a:cs typeface="Arial"/>
-                <a:sym typeface="Arial"/>
-              </a:rPr>
-              <a:t>Data confirms high-risk species require conservation priority</a:t>
-            </a:r>
-            <a:r>
-              <a:rPr lang="es" sz="1100">
-                <a:solidFill>
-                  <a:srgbClr val="000000"/>
-                </a:solidFill>
-                <a:latin typeface="Arial"/>
-                <a:ea typeface="Arial"/>
-                <a:cs typeface="Arial"/>
-                <a:sym typeface="Arial"/>
-              </a:rPr>
-              <a:t>. </a:t>
-            </a:r>
-            <a:endParaRPr sz="1100">
-              <a:solidFill>
-                <a:srgbClr val="000000"/>
-              </a:solidFill>
-              <a:latin typeface="Arial"/>
-              <a:ea typeface="Arial"/>
-              <a:cs typeface="Arial"/>
-              <a:sym typeface="Arial"/>
-            </a:endParaRPr>
-          </a:p>
-          <a:p>
-            <a:pPr indent="-298450" lvl="0" marL="457200" rtl="0" algn="l">
-              <a:spcBef>
-                <a:spcPts val="0"/>
-              </a:spcBef>
-              <a:spcAft>
-                <a:spcPts val="0"/>
-              </a:spcAft>
-              <a:buClr>
-                <a:srgbClr val="000000"/>
-              </a:buClr>
-              <a:buSzPts val="1100"/>
-              <a:buFont typeface="Arial"/>
-              <a:buChar char="●"/>
-            </a:pPr>
-            <a:r>
-              <a:rPr lang="es" sz="1100">
-                <a:solidFill>
-                  <a:srgbClr val="000000"/>
-                </a:solidFill>
-                <a:latin typeface="Arial"/>
-                <a:ea typeface="Arial"/>
-                <a:cs typeface="Arial"/>
-                <a:sym typeface="Arial"/>
-              </a:rPr>
-              <a:t>✅ </a:t>
-            </a:r>
-            <a:r>
-              <a:rPr b="1" lang="es" sz="1100">
-                <a:solidFill>
-                  <a:srgbClr val="000000"/>
-                </a:solidFill>
-                <a:latin typeface="Arial"/>
-                <a:ea typeface="Arial"/>
-                <a:cs typeface="Arial"/>
-                <a:sym typeface="Arial"/>
-              </a:rPr>
-              <a:t>Statistical analysis supports informed environmental policies</a:t>
-            </a:r>
-            <a:r>
-              <a:rPr lang="es" sz="1100">
-                <a:solidFill>
-                  <a:srgbClr val="000000"/>
-                </a:solidFill>
-                <a:latin typeface="Arial"/>
-                <a:ea typeface="Arial"/>
-                <a:cs typeface="Arial"/>
-                <a:sym typeface="Arial"/>
-              </a:rPr>
-              <a:t>. </a:t>
-            </a:r>
-            <a:endParaRPr sz="1100">
-              <a:solidFill>
-                <a:srgbClr val="000000"/>
-              </a:solidFill>
-              <a:latin typeface="Arial"/>
-              <a:ea typeface="Arial"/>
-              <a:cs typeface="Arial"/>
-              <a:sym typeface="Arial"/>
-            </a:endParaRPr>
-          </a:p>
-          <a:p>
-            <a:pPr indent="-298450" lvl="0" marL="457200" rtl="0" algn="l">
-              <a:spcBef>
-                <a:spcPts val="0"/>
-              </a:spcBef>
-              <a:spcAft>
-                <a:spcPts val="0"/>
-              </a:spcAft>
-              <a:buClr>
-                <a:srgbClr val="000000"/>
-              </a:buClr>
-              <a:buSzPts val="1100"/>
-              <a:buFont typeface="Arial"/>
-              <a:buChar char="●"/>
-            </a:pPr>
-            <a:r>
-              <a:rPr lang="es" sz="1100">
-                <a:solidFill>
-                  <a:srgbClr val="000000"/>
-                </a:solidFill>
-                <a:latin typeface="Arial"/>
-                <a:ea typeface="Arial"/>
-                <a:cs typeface="Arial"/>
-                <a:sym typeface="Arial"/>
-              </a:rPr>
-              <a:t>✅ </a:t>
-            </a:r>
-            <a:r>
-              <a:rPr b="1" lang="es" sz="1100">
-                <a:solidFill>
-                  <a:srgbClr val="000000"/>
-                </a:solidFill>
-                <a:latin typeface="Arial"/>
-                <a:ea typeface="Arial"/>
-                <a:cs typeface="Arial"/>
-                <a:sym typeface="Arial"/>
-              </a:rPr>
-              <a:t>Sample size calculation ensures reliable disease monitoring methodology</a:t>
-            </a:r>
-            <a:r>
-              <a:rPr lang="es" sz="1100">
-                <a:solidFill>
-                  <a:srgbClr val="000000"/>
-                </a:solidFill>
-                <a:latin typeface="Arial"/>
-                <a:ea typeface="Arial"/>
-                <a:cs typeface="Arial"/>
-                <a:sym typeface="Arial"/>
-              </a:rPr>
-              <a:t>.</a:t>
-            </a:r>
-            <a:endParaRPr sz="1100">
+              <a:t>📌 Key Findings &amp; Takeaways</a:t>
+            </a:r>
+            <a:endParaRPr b="1" sz="1110">
               <a:solidFill>
                 <a:srgbClr val="000000"/>
               </a:solidFill>
@@ -17269,16 +17073,20 @@
           </a:p>
           <a:p>
             <a:pPr indent="0" lvl="0" marL="0" rtl="0" algn="l">
+              <a:lnSpc>
+                <a:spcPct val="95000"/>
+              </a:lnSpc>
               <a:spcBef>
                 <a:spcPts val="1200"/>
               </a:spcBef>
               <a:spcAft>
                 <a:spcPts val="0"/>
               </a:spcAft>
+              <a:buSzPts val="770"/>
               <a:buNone/>
             </a:pPr>
             <a:r>
-              <a:rPr lang="es" sz="1100">
+              <a:rPr lang="es" sz="970">
                 <a:solidFill>
                   <a:srgbClr val="000000"/>
                 </a:solidFill>
@@ -17287,10 +17095,10 @@
                 <a:cs typeface="Arial"/>
                 <a:sym typeface="Arial"/>
               </a:rPr>
-              <a:t>🎯 </a:t>
-            </a:r>
-            <a:r>
-              <a:rPr b="1" lang="es" sz="1100">
+              <a:t>✅ </a:t>
+            </a:r>
+            <a:r>
+              <a:rPr b="1" lang="es" sz="970">
                 <a:solidFill>
                   <a:srgbClr val="000000"/>
                 </a:solidFill>
@@ -17299,10 +17107,10 @@
                 <a:cs typeface="Arial"/>
                 <a:sym typeface="Arial"/>
               </a:rPr>
-              <a:t>Future Research Directions:</a:t>
-            </a:r>
-            <a:r>
-              <a:rPr lang="es" sz="1100">
+              <a:t>High-risk species require prioritized conservation efforts</a:t>
+            </a:r>
+            <a:r>
+              <a:rPr lang="es" sz="970">
                 <a:solidFill>
                   <a:srgbClr val="000000"/>
                 </a:solidFill>
@@ -17311,9 +17119,9 @@
                 <a:cs typeface="Arial"/>
                 <a:sym typeface="Arial"/>
               </a:rPr>
-              <a:t> </a:t>
-            </a:r>
-            <a:endParaRPr sz="1100">
+              <a:t>, particularly birds and vascular plants. </a:t>
+            </a:r>
+            <a:endParaRPr sz="970">
               <a:solidFill>
                 <a:srgbClr val="000000"/>
               </a:solidFill>
@@ -17324,22 +17132,21 @@
             </a:endParaRPr>
           </a:p>
           <a:p>
-            <a:pPr indent="-298450" lvl="0" marL="457200" rtl="0" algn="l">
+            <a:pPr indent="0" lvl="0" marL="0" rtl="0" algn="l">
+              <a:lnSpc>
+                <a:spcPct val="95000"/>
+              </a:lnSpc>
               <a:spcBef>
                 <a:spcPts val="1200"/>
               </a:spcBef>
               <a:spcAft>
                 <a:spcPts val="0"/>
               </a:spcAft>
-              <a:buClr>
-                <a:srgbClr val="000000"/>
-              </a:buClr>
-              <a:buSzPts val="1100"/>
-              <a:buFont typeface="Arial"/>
-              <a:buChar char="●"/>
+              <a:buSzPts val="770"/>
+              <a:buNone/>
             </a:pPr>
             <a:r>
-              <a:rPr lang="es" sz="1100">
+              <a:rPr lang="es" sz="970">
                 <a:solidFill>
                   <a:srgbClr val="000000"/>
                 </a:solidFill>
@@ -17348,10 +17155,10 @@
                 <a:cs typeface="Arial"/>
                 <a:sym typeface="Arial"/>
               </a:rPr>
-              <a:t>📊 Investigate </a:t>
-            </a:r>
-            <a:r>
-              <a:rPr b="1" lang="es" sz="1100">
+              <a:t>✅ </a:t>
+            </a:r>
+            <a:r>
+              <a:rPr b="1" lang="es" sz="970">
                 <a:solidFill>
                   <a:srgbClr val="000000"/>
                 </a:solidFill>
@@ -17360,10 +17167,10 @@
                 <a:cs typeface="Arial"/>
                 <a:sym typeface="Arial"/>
               </a:rPr>
-              <a:t>environmental factors affecting species survival</a:t>
-            </a:r>
-            <a:r>
-              <a:rPr lang="es" sz="1100">
+              <a:t>Statistical analysis confirms significant differences</a:t>
+            </a:r>
+            <a:r>
+              <a:rPr lang="es" sz="970">
                 <a:solidFill>
                   <a:srgbClr val="000000"/>
                 </a:solidFill>
@@ -17372,9 +17179,9 @@
                 <a:cs typeface="Arial"/>
                 <a:sym typeface="Arial"/>
               </a:rPr>
-              <a:t>. </a:t>
-            </a:r>
-            <a:endParaRPr sz="1100">
+              <a:t> in conservation status among species groups. </a:t>
+            </a:r>
+            <a:endParaRPr sz="970">
               <a:solidFill>
                 <a:srgbClr val="000000"/>
               </a:solidFill>
@@ -17385,22 +17192,21 @@
             </a:endParaRPr>
           </a:p>
           <a:p>
-            <a:pPr indent="-298450" lvl="0" marL="457200" rtl="0" algn="l">
-              <a:spcBef>
-                <a:spcPts val="0"/>
-              </a:spcBef>
-              <a:spcAft>
-                <a:spcPts val="0"/>
-              </a:spcAft>
-              <a:buClr>
-                <a:srgbClr val="000000"/>
-              </a:buClr>
-              <a:buSzPts val="1100"/>
-              <a:buFont typeface="Arial"/>
-              <a:buChar char="●"/>
+            <a:pPr indent="0" lvl="0" marL="0" rtl="0" algn="l">
+              <a:lnSpc>
+                <a:spcPct val="95000"/>
+              </a:lnSpc>
+              <a:spcBef>
+                <a:spcPts val="1200"/>
+              </a:spcBef>
+              <a:spcAft>
+                <a:spcPts val="0"/>
+              </a:spcAft>
+              <a:buSzPts val="770"/>
+              <a:buNone/>
             </a:pPr>
             <a:r>
-              <a:rPr lang="es" sz="1100">
+              <a:rPr lang="es" sz="970">
                 <a:solidFill>
                   <a:srgbClr val="000000"/>
                 </a:solidFill>
@@ -17409,10 +17215,10 @@
                 <a:cs typeface="Arial"/>
                 <a:sym typeface="Arial"/>
               </a:rPr>
-              <a:t>🔍 Develop </a:t>
-            </a:r>
-            <a:r>
-              <a:rPr b="1" lang="es" sz="1100">
+              <a:t>✅ </a:t>
+            </a:r>
+            <a:r>
+              <a:rPr b="1" lang="es" sz="970">
                 <a:solidFill>
                   <a:srgbClr val="000000"/>
                 </a:solidFill>
@@ -17421,10 +17227,10 @@
                 <a:cs typeface="Arial"/>
                 <a:sym typeface="Arial"/>
               </a:rPr>
-              <a:t>predictive models for conservation and disease prevention</a:t>
-            </a:r>
-            <a:r>
-              <a:rPr lang="es" sz="1100">
+              <a:t>Sample size calculation ensures accurate disease prevalence monitoring</a:t>
+            </a:r>
+            <a:r>
+              <a:rPr lang="es" sz="970">
                 <a:solidFill>
                   <a:srgbClr val="000000"/>
                 </a:solidFill>
@@ -17433,9 +17239,401 @@
                 <a:cs typeface="Arial"/>
                 <a:sym typeface="Arial"/>
               </a:rPr>
-              <a:t>.</a:t>
-            </a:r>
-            <a:endParaRPr/>
+              <a:t>, supporting effective epidemiological research.</a:t>
+            </a:r>
+            <a:endParaRPr sz="970">
+              <a:solidFill>
+                <a:srgbClr val="000000"/>
+              </a:solidFill>
+              <a:latin typeface="Arial"/>
+              <a:ea typeface="Arial"/>
+              <a:cs typeface="Arial"/>
+              <a:sym typeface="Arial"/>
+            </a:endParaRPr>
+          </a:p>
+          <a:p>
+            <a:pPr indent="0" lvl="0" marL="0" rtl="0" algn="l">
+              <a:lnSpc>
+                <a:spcPct val="95000"/>
+              </a:lnSpc>
+              <a:spcBef>
+                <a:spcPts val="1400"/>
+              </a:spcBef>
+              <a:spcAft>
+                <a:spcPts val="0"/>
+              </a:spcAft>
+              <a:buSzPts val="770"/>
+              <a:buNone/>
+            </a:pPr>
+            <a:r>
+              <a:rPr b="1" lang="es" sz="1110">
+                <a:solidFill>
+                  <a:srgbClr val="000000"/>
+                </a:solidFill>
+                <a:latin typeface="Arial"/>
+                <a:ea typeface="Arial"/>
+                <a:cs typeface="Arial"/>
+                <a:sym typeface="Arial"/>
+              </a:rPr>
+              <a:t>🎯 Future Research Directions</a:t>
+            </a:r>
+            <a:endParaRPr b="1" sz="1110">
+              <a:solidFill>
+                <a:srgbClr val="000000"/>
+              </a:solidFill>
+              <a:latin typeface="Arial"/>
+              <a:ea typeface="Arial"/>
+              <a:cs typeface="Arial"/>
+              <a:sym typeface="Arial"/>
+            </a:endParaRPr>
+          </a:p>
+          <a:p>
+            <a:pPr indent="0" lvl="0" marL="0" rtl="0" algn="l">
+              <a:lnSpc>
+                <a:spcPct val="95000"/>
+              </a:lnSpc>
+              <a:spcBef>
+                <a:spcPts val="1200"/>
+              </a:spcBef>
+              <a:spcAft>
+                <a:spcPts val="0"/>
+              </a:spcAft>
+              <a:buSzPts val="770"/>
+              <a:buNone/>
+            </a:pPr>
+            <a:r>
+              <a:rPr lang="es" sz="970">
+                <a:solidFill>
+                  <a:srgbClr val="000000"/>
+                </a:solidFill>
+                <a:latin typeface="Arial"/>
+                <a:ea typeface="Arial"/>
+                <a:cs typeface="Arial"/>
+                <a:sym typeface="Arial"/>
+              </a:rPr>
+              <a:t>📊 </a:t>
+            </a:r>
+            <a:r>
+              <a:rPr b="1" lang="es" sz="970">
+                <a:solidFill>
+                  <a:srgbClr val="000000"/>
+                </a:solidFill>
+                <a:latin typeface="Arial"/>
+                <a:ea typeface="Arial"/>
+                <a:cs typeface="Arial"/>
+                <a:sym typeface="Arial"/>
+              </a:rPr>
+              <a:t>Investigate environmental drivers</a:t>
+            </a:r>
+            <a:r>
+              <a:rPr lang="es" sz="970">
+                <a:solidFill>
+                  <a:srgbClr val="000000"/>
+                </a:solidFill>
+                <a:latin typeface="Arial"/>
+                <a:ea typeface="Arial"/>
+                <a:cs typeface="Arial"/>
+                <a:sym typeface="Arial"/>
+              </a:rPr>
+              <a:t> affecting species survival and conservation outcomes. 🔍 </a:t>
+            </a:r>
+            <a:r>
+              <a:rPr b="1" lang="es" sz="970">
+                <a:solidFill>
+                  <a:srgbClr val="000000"/>
+                </a:solidFill>
+                <a:latin typeface="Arial"/>
+                <a:ea typeface="Arial"/>
+                <a:cs typeface="Arial"/>
+                <a:sym typeface="Arial"/>
+              </a:rPr>
+              <a:t>Develop predictive models</a:t>
+            </a:r>
+            <a:r>
+              <a:rPr lang="es" sz="970">
+                <a:solidFill>
+                  <a:srgbClr val="000000"/>
+                </a:solidFill>
+                <a:latin typeface="Arial"/>
+                <a:ea typeface="Arial"/>
+                <a:cs typeface="Arial"/>
+                <a:sym typeface="Arial"/>
+              </a:rPr>
+              <a:t> for biodiversity loss and species adaptation under climate change scenarios. 🛡 </a:t>
+            </a:r>
+            <a:r>
+              <a:rPr b="1" lang="es" sz="970">
+                <a:solidFill>
+                  <a:srgbClr val="000000"/>
+                </a:solidFill>
+                <a:latin typeface="Arial"/>
+                <a:ea typeface="Arial"/>
+                <a:cs typeface="Arial"/>
+                <a:sym typeface="Arial"/>
+              </a:rPr>
+              <a:t>Enhance conservation policies</a:t>
+            </a:r>
+            <a:r>
+              <a:rPr lang="es" sz="970">
+                <a:solidFill>
+                  <a:srgbClr val="000000"/>
+                </a:solidFill>
+                <a:latin typeface="Arial"/>
+                <a:ea typeface="Arial"/>
+                <a:cs typeface="Arial"/>
+                <a:sym typeface="Arial"/>
+              </a:rPr>
+              <a:t> using data-driven approaches, integrating ecological and epidemiological findings.</a:t>
+            </a:r>
+            <a:endParaRPr sz="970">
+              <a:solidFill>
+                <a:srgbClr val="000000"/>
+              </a:solidFill>
+              <a:latin typeface="Arial"/>
+              <a:ea typeface="Arial"/>
+              <a:cs typeface="Arial"/>
+              <a:sym typeface="Arial"/>
+            </a:endParaRPr>
+          </a:p>
+          <a:p>
+            <a:pPr indent="0" lvl="0" marL="0" rtl="0" algn="l">
+              <a:lnSpc>
+                <a:spcPct val="95000"/>
+              </a:lnSpc>
+              <a:spcBef>
+                <a:spcPts val="1200"/>
+              </a:spcBef>
+              <a:spcAft>
+                <a:spcPts val="0"/>
+              </a:spcAft>
+              <a:buSzPts val="770"/>
+              <a:buNone/>
+            </a:pPr>
+            <a:r>
+              <a:rPr lang="es" sz="970">
+                <a:solidFill>
+                  <a:srgbClr val="000000"/>
+                </a:solidFill>
+                <a:latin typeface="Arial"/>
+                <a:ea typeface="Arial"/>
+                <a:cs typeface="Arial"/>
+                <a:sym typeface="Arial"/>
+              </a:rPr>
+              <a:t>💡 </a:t>
+            </a:r>
+            <a:r>
+              <a:rPr b="1" lang="es" sz="970">
+                <a:solidFill>
+                  <a:srgbClr val="000000"/>
+                </a:solidFill>
+                <a:latin typeface="Arial"/>
+                <a:ea typeface="Arial"/>
+                <a:cs typeface="Arial"/>
+                <a:sym typeface="Arial"/>
+              </a:rPr>
+              <a:t>Next Steps:</a:t>
+            </a:r>
+            <a:endParaRPr b="1" sz="970">
+              <a:solidFill>
+                <a:srgbClr val="000000"/>
+              </a:solidFill>
+              <a:latin typeface="Arial"/>
+              <a:ea typeface="Arial"/>
+              <a:cs typeface="Arial"/>
+              <a:sym typeface="Arial"/>
+            </a:endParaRPr>
+          </a:p>
+          <a:p>
+            <a:pPr indent="-290195" lvl="0" marL="457200" rtl="0" algn="l">
+              <a:lnSpc>
+                <a:spcPct val="95000"/>
+              </a:lnSpc>
+              <a:spcBef>
+                <a:spcPts val="1200"/>
+              </a:spcBef>
+              <a:spcAft>
+                <a:spcPts val="0"/>
+              </a:spcAft>
+              <a:buClr>
+                <a:srgbClr val="000000"/>
+              </a:buClr>
+              <a:buSzPts val="970"/>
+              <a:buFont typeface="Arial"/>
+              <a:buChar char="●"/>
+            </a:pPr>
+            <a:r>
+              <a:rPr lang="es" sz="970">
+                <a:solidFill>
+                  <a:srgbClr val="000000"/>
+                </a:solidFill>
+                <a:latin typeface="Arial"/>
+                <a:ea typeface="Arial"/>
+                <a:cs typeface="Arial"/>
+                <a:sym typeface="Arial"/>
+              </a:rPr>
+              <a:t>Apply findings to </a:t>
+            </a:r>
+            <a:r>
+              <a:rPr b="1" lang="es" sz="970">
+                <a:solidFill>
+                  <a:srgbClr val="000000"/>
+                </a:solidFill>
+                <a:latin typeface="Arial"/>
+                <a:ea typeface="Arial"/>
+                <a:cs typeface="Arial"/>
+                <a:sym typeface="Arial"/>
+              </a:rPr>
+              <a:t>real-world conservation planning</a:t>
+            </a:r>
+            <a:r>
+              <a:rPr lang="es" sz="970">
+                <a:solidFill>
+                  <a:srgbClr val="000000"/>
+                </a:solidFill>
+                <a:latin typeface="Arial"/>
+                <a:ea typeface="Arial"/>
+                <a:cs typeface="Arial"/>
+                <a:sym typeface="Arial"/>
+              </a:rPr>
+              <a:t>, informing targeted interventions.</a:t>
+            </a:r>
+            <a:endParaRPr sz="970">
+              <a:solidFill>
+                <a:srgbClr val="000000"/>
+              </a:solidFill>
+              <a:latin typeface="Arial"/>
+              <a:ea typeface="Arial"/>
+              <a:cs typeface="Arial"/>
+              <a:sym typeface="Arial"/>
+            </a:endParaRPr>
+          </a:p>
+          <a:p>
+            <a:pPr indent="-290195" lvl="0" marL="457200" rtl="0" algn="l">
+              <a:lnSpc>
+                <a:spcPct val="95000"/>
+              </a:lnSpc>
+              <a:spcBef>
+                <a:spcPts val="0"/>
+              </a:spcBef>
+              <a:spcAft>
+                <a:spcPts val="0"/>
+              </a:spcAft>
+              <a:buClr>
+                <a:srgbClr val="000000"/>
+              </a:buClr>
+              <a:buSzPts val="970"/>
+              <a:buFont typeface="Arial"/>
+              <a:buChar char="●"/>
+            </a:pPr>
+            <a:r>
+              <a:rPr lang="es" sz="970">
+                <a:solidFill>
+                  <a:srgbClr val="000000"/>
+                </a:solidFill>
+                <a:latin typeface="Arial"/>
+                <a:ea typeface="Arial"/>
+                <a:cs typeface="Arial"/>
+                <a:sym typeface="Arial"/>
+              </a:rPr>
+              <a:t>Expand research to </a:t>
+            </a:r>
+            <a:r>
+              <a:rPr b="1" lang="es" sz="970">
+                <a:solidFill>
+                  <a:srgbClr val="000000"/>
+                </a:solidFill>
+                <a:latin typeface="Arial"/>
+                <a:ea typeface="Arial"/>
+                <a:cs typeface="Arial"/>
+                <a:sym typeface="Arial"/>
+              </a:rPr>
+              <a:t>long-term monitoring strategies</a:t>
+            </a:r>
+            <a:r>
+              <a:rPr lang="es" sz="970">
+                <a:solidFill>
+                  <a:srgbClr val="000000"/>
+                </a:solidFill>
+                <a:latin typeface="Arial"/>
+                <a:ea typeface="Arial"/>
+                <a:cs typeface="Arial"/>
+                <a:sym typeface="Arial"/>
+              </a:rPr>
+              <a:t> for endangered species.</a:t>
+            </a:r>
+            <a:endParaRPr sz="970">
+              <a:solidFill>
+                <a:srgbClr val="000000"/>
+              </a:solidFill>
+              <a:latin typeface="Arial"/>
+              <a:ea typeface="Arial"/>
+              <a:cs typeface="Arial"/>
+              <a:sym typeface="Arial"/>
+            </a:endParaRPr>
+          </a:p>
+          <a:p>
+            <a:pPr indent="-290195" lvl="0" marL="457200" rtl="0" algn="l">
+              <a:lnSpc>
+                <a:spcPct val="95000"/>
+              </a:lnSpc>
+              <a:spcBef>
+                <a:spcPts val="0"/>
+              </a:spcBef>
+              <a:spcAft>
+                <a:spcPts val="0"/>
+              </a:spcAft>
+              <a:buClr>
+                <a:srgbClr val="000000"/>
+              </a:buClr>
+              <a:buSzPts val="970"/>
+              <a:buFont typeface="Arial"/>
+              <a:buChar char="●"/>
+            </a:pPr>
+            <a:r>
+              <a:rPr lang="es" sz="970">
+                <a:solidFill>
+                  <a:srgbClr val="000000"/>
+                </a:solidFill>
+                <a:latin typeface="Arial"/>
+                <a:ea typeface="Arial"/>
+                <a:cs typeface="Arial"/>
+                <a:sym typeface="Arial"/>
+              </a:rPr>
+              <a:t>Strengthen collaboration between </a:t>
+            </a:r>
+            <a:r>
+              <a:rPr b="1" lang="es" sz="970">
+                <a:solidFill>
+                  <a:srgbClr val="000000"/>
+                </a:solidFill>
+                <a:latin typeface="Arial"/>
+                <a:ea typeface="Arial"/>
+                <a:cs typeface="Arial"/>
+                <a:sym typeface="Arial"/>
+              </a:rPr>
+              <a:t>wildlife conservationists, ecologists, and public health experts</a:t>
+            </a:r>
+            <a:r>
+              <a:rPr lang="es" sz="970">
+                <a:solidFill>
+                  <a:srgbClr val="000000"/>
+                </a:solidFill>
+                <a:latin typeface="Arial"/>
+                <a:ea typeface="Arial"/>
+                <a:cs typeface="Arial"/>
+                <a:sym typeface="Arial"/>
+              </a:rPr>
+              <a:t> for integrated solutions.</a:t>
+            </a:r>
+            <a:endParaRPr sz="970">
+              <a:solidFill>
+                <a:srgbClr val="000000"/>
+              </a:solidFill>
+              <a:latin typeface="Arial"/>
+              <a:ea typeface="Arial"/>
+              <a:cs typeface="Arial"/>
+              <a:sym typeface="Arial"/>
+            </a:endParaRPr>
           </a:p>
         </p:txBody>
       </p:sp>
@@ -17526,6 +17724,38 @@
             <a:normAutofit/>
           </a:bodyPr>
           <a:lstStyle/>
+          <a:p>
+            <a:pPr indent="0" lvl="0" marL="0" rtl="0" algn="l">
+              <a:spcBef>
+                <a:spcPts val="1200"/>
+              </a:spcBef>
+              <a:spcAft>
+                <a:spcPts val="0"/>
+              </a:spcAft>
+              <a:buNone/>
+            </a:pPr>
+            <a:r>
+              <a:rPr lang="es" sz="1100">
+                <a:solidFill>
+                  <a:srgbClr val="000000"/>
+                </a:solidFill>
+                <a:latin typeface="Arial"/>
+                <a:ea typeface="Arial"/>
+                <a:cs typeface="Arial"/>
+                <a:sym typeface="Arial"/>
+              </a:rPr>
+              <a:t>This dataset provides a comprehensive view of species in national parks, categorized by conservation status.</a:t>
+            </a:r>
+            <a:endParaRPr sz="1100">
+              <a:solidFill>
+                <a:srgbClr val="000000"/>
+              </a:solidFill>
+              <a:latin typeface="Arial"/>
+              <a:ea typeface="Arial"/>
+              <a:cs typeface="Arial"/>
+              <a:sym typeface="Arial"/>
+            </a:endParaRPr>
+          </a:p>
           <a:p>
             <a:pPr indent="0" lvl="0" marL="0" rtl="0" algn="l">
               <a:spcBef>
@@ -18295,7 +18525,7 @@
                 <a:spcPts val="1200"/>
               </a:spcBef>
               <a:spcAft>
-                <a:spcPts val="0"/>
+                <a:spcPts val="1200"/>
               </a:spcAft>
               <a:buNone/>
             </a:pPr>
@@ -18381,30 +18611,7 @@
                 <a:cs typeface="Arial"/>
                 <a:sym typeface="Arial"/>
               </a:rPr>
-              <a:t>—some groups are more vulnerable than others.</a:t>
-            </a:r>
-            <a:endParaRPr sz="1100">
-              <a:solidFill>
-                <a:srgbClr val="000000"/>
-              </a:solidFill>
-              <a:latin typeface="Arial"/>
-              <a:ea typeface="Arial"/>
-              <a:cs typeface="Arial"/>
-              <a:sym typeface="Arial"/>
-            </a:endParaRPr>
-          </a:p>
-          <a:p>
-            <a:pPr indent="0" lvl="0" marL="0" rtl="0" algn="l">
-              <a:spcBef>
-                <a:spcPts val="1200"/>
-              </a:spcBef>
-              <a:spcAft>
-                <a:spcPts val="1200"/>
-              </a:spcAft>
-              <a:buNone/>
-            </a:pPr>
-            <a:r>
-              <a:t/>
+              <a:t>—some groups are more vulnerable than others. We tested whether species category significantly impacts conservation status.</a:t>
             </a:r>
             <a:endParaRPr/>
           </a:p>
@@ -18557,7 +18764,7 @@
                 <a:cs typeface="Arial"/>
                 <a:sym typeface="Arial"/>
               </a:rPr>
-              <a:t>Strategies for Conservation Efforts</a:t>
+              <a:t>Actionable Conservation Measures</a:t>
             </a:r>
             <a:r>
               <a:rPr lang="es" sz="1100">
@@ -19333,8 +19540,8 @@
         </p:blipFill>
         <p:spPr>
           <a:xfrm>
-            <a:off x="2309848" y="1378050"/>
-            <a:ext cx="3996499" cy="1962751"/>
+            <a:off x="3016312" y="1113000"/>
+            <a:ext cx="3111374" cy="1528050"/>
           </a:xfrm>
           <a:prstGeom prst="rect">
             <a:avLst/>
@@ -19353,7 +19560,7 @@
         </p:nvSpPr>
         <p:spPr>
           <a:xfrm>
-            <a:off x="1396800" y="3578400"/>
+            <a:off x="1396800" y="2540750"/>
             <a:ext cx="6350400" cy="1228500"/>
           </a:xfrm>
           <a:prstGeom prst="rect">
@@ -19383,17 +19590,21 @@
               <a:buNone/>
             </a:pPr>
             <a:r>
-              <a:rPr lang="es" sz="1100"/>
+              <a:rPr lang="es" sz="900"/>
               <a:t>📌 </a:t>
             </a:r>
             <a:r>
-              <a:rPr b="1" lang="es" sz="1100"/>
-              <a:t>Key Insights</a:t>
-            </a:r>
-            <a:endParaRPr b="1" sz="1100"/>
+              <a:rPr b="1" lang="es" sz="900"/>
+              <a:t>Introduction:</a:t>
+            </a:r>
+            <a:r>
+              <a:rPr lang="es" sz="900"/>
+              <a:t> This visualization highlights the distribution of species across different conservation status categories, helping identify priority areas for conservation efforts.</a:t>
+            </a:r>
+            <a:endParaRPr sz="900"/>
           </a:p>
           <a:p>
-            <a:pPr indent="-298450" lvl="0" marL="457200" rtl="0" algn="l">
+            <a:pPr indent="0" lvl="0" marL="0" rtl="0" algn="l">
               <a:lnSpc>
                 <a:spcPct val="115000"/>
               </a:lnSpc>
@@ -19403,78 +19614,179 @@
               <a:spcAft>
                 <a:spcPts val="0"/>
               </a:spcAft>
-              <a:buSzPts val="1100"/>
-              <a:buChar char="●"/>
+              <a:buNone/>
             </a:pPr>
             <a:r>
-              <a:rPr b="1" lang="es" sz="1100"/>
-              <a:t>Species of Concern</a:t>
-            </a:r>
-            <a:r>
-              <a:rPr lang="es" sz="1100"/>
-              <a:t> is the most frequent conservation status.</a:t>
-            </a:r>
-            <a:endParaRPr sz="1100"/>
+              <a:rPr lang="es" sz="900"/>
+              <a:t>🖼 </a:t>
+            </a:r>
+            <a:r>
+              <a:rPr b="1" lang="es" sz="900"/>
+              <a:t>Graph &amp; Caption:</a:t>
+            </a:r>
+            <a:r>
+              <a:rPr lang="es" sz="900"/>
+              <a:t> </a:t>
+            </a:r>
+            <a:r>
+              <a:rPr i="1" lang="es" sz="900"/>
+              <a:t>Figure: Conservation Status Distribution of Species</a:t>
+            </a:r>
+            <a:endParaRPr i="1" sz="900"/>
           </a:p>
           <a:p>
-            <a:pPr indent="-298450" lvl="0" marL="457200" rtl="0" algn="l">
+            <a:pPr indent="0" lvl="0" marL="0" rtl="0" algn="l">
               <a:lnSpc>
                 <a:spcPct val="115000"/>
               </a:lnSpc>
               <a:spcBef>
-                <a:spcPts val="0"/>
-              </a:spcBef>
-              <a:spcAft>
-                <a:spcPts val="0"/>
-              </a:spcAft>
-              <a:buSzPts val="1100"/>
-              <a:buChar char="●"/>
+                <a:spcPts val="1200"/>
+              </a:spcBef>
+              <a:spcAft>
+                <a:spcPts val="0"/>
+              </a:spcAft>
+              <a:buNone/>
             </a:pPr>
             <a:r>
-              <a:rPr lang="es" sz="1100"/>
-              <a:t>Fewer species are classified as </a:t>
-            </a:r>
-            <a:r>
-              <a:rPr b="1" lang="es" sz="1100"/>
-              <a:t>Endangered, Threatened, or In Recovery</a:t>
-            </a:r>
-            <a:r>
-              <a:rPr lang="es" sz="1100"/>
-              <a:t>.</a:t>
-            </a:r>
-            <a:endParaRPr sz="1100"/>
+              <a:rPr lang="es" sz="900"/>
+              <a:t>🔍 </a:t>
+            </a:r>
+            <a:r>
+              <a:rPr b="1" lang="es" sz="900"/>
+              <a:t>Key Insights:</a:t>
+            </a:r>
+            <a:endParaRPr b="1" sz="900"/>
           </a:p>
           <a:p>
-            <a:pPr indent="-298450" lvl="0" marL="457200" rtl="0" algn="l">
+            <a:pPr indent="-285750" lvl="0" marL="457200" rtl="0" algn="l">
               <a:lnSpc>
                 <a:spcPct val="115000"/>
               </a:lnSpc>
               <a:spcBef>
-                <a:spcPts val="0"/>
-              </a:spcBef>
-              <a:spcAft>
-                <a:spcPts val="0"/>
-              </a:spcAft>
-              <a:buSzPts val="1100"/>
+                <a:spcPts val="1200"/>
+              </a:spcBef>
+              <a:spcAft>
+                <a:spcPts val="0"/>
+              </a:spcAft>
+              <a:buSzPts val="900"/>
               <a:buChar char="●"/>
             </a:pPr>
             <a:r>
-              <a:rPr b="1" lang="es" sz="1100"/>
+              <a:rPr b="1" lang="es" sz="900"/>
+              <a:t>Species of Concern</a:t>
+            </a:r>
+            <a:r>
+              <a:rPr lang="es" sz="900"/>
+              <a:t> is the most frequent conservation category.</a:t>
+            </a:r>
+            <a:endParaRPr sz="900"/>
+          </a:p>
+          <a:p>
+            <a:pPr indent="-285750" lvl="0" marL="457200" rtl="0" algn="l">
+              <a:lnSpc>
+                <a:spcPct val="115000"/>
+              </a:lnSpc>
+              <a:spcBef>
+                <a:spcPts val="0"/>
+              </a:spcBef>
+              <a:spcAft>
+                <a:spcPts val="0"/>
+              </a:spcAft>
+              <a:buSzPts val="900"/>
+              <a:buChar char="●"/>
+            </a:pPr>
+            <a:r>
+              <a:rPr b="1" lang="es" sz="900"/>
+              <a:t>Endangered species</a:t>
+            </a:r>
+            <a:r>
+              <a:rPr lang="es" sz="900"/>
+              <a:t> make up a smaller percentage but require critical attention.</a:t>
+            </a:r>
+            <a:endParaRPr sz="900"/>
+          </a:p>
+          <a:p>
+            <a:pPr indent="-285750" lvl="0" marL="457200" rtl="0" algn="l">
+              <a:lnSpc>
+                <a:spcPct val="115000"/>
+              </a:lnSpc>
+              <a:spcBef>
+                <a:spcPts val="0"/>
+              </a:spcBef>
+              <a:spcAft>
+                <a:spcPts val="0"/>
+              </a:spcAft>
+              <a:buSzPts val="900"/>
+              <a:buChar char="●"/>
+            </a:pPr>
+            <a:r>
+              <a:rPr b="1" lang="es" sz="900"/>
+              <a:t>Threatened and In Recovery species</a:t>
+            </a:r>
+            <a:r>
+              <a:rPr lang="es" sz="900"/>
+              <a:t> are even fewer, showing some ongoing conservation success.</a:t>
+            </a:r>
+            <a:endParaRPr sz="900"/>
+          </a:p>
+          <a:p>
+            <a:pPr indent="-285750" lvl="0" marL="457200" rtl="0" algn="l">
+              <a:lnSpc>
+                <a:spcPct val="115000"/>
+              </a:lnSpc>
+              <a:spcBef>
+                <a:spcPts val="0"/>
+              </a:spcBef>
+              <a:spcAft>
+                <a:spcPts val="0"/>
+              </a:spcAft>
+              <a:buSzPts val="900"/>
+              <a:buChar char="●"/>
+            </a:pPr>
+            <a:r>
+              <a:rPr b="1" lang="es" sz="900"/>
               <a:t>Chi-square analysis confirms significant differences</a:t>
             </a:r>
             <a:r>
-              <a:rPr lang="es" sz="1100"/>
-              <a:t> in conservation status among species groups.</a:t>
-            </a:r>
-            <a:endParaRPr sz="1300">
-              <a:solidFill>
-                <a:schemeClr val="dk2"/>
-              </a:solidFill>
-              <a:latin typeface="Nunito"/>
-              <a:ea typeface="Nunito"/>
-              <a:cs typeface="Nunito"/>
-              <a:sym typeface="Nunito"/>
-            </a:endParaRPr>
+              <a:rPr lang="es" sz="900"/>
+              <a:t> between species groups.</a:t>
+            </a:r>
+            <a:endParaRPr sz="900"/>
+          </a:p>
+          <a:p>
+            <a:pPr indent="0" lvl="0" marL="0" rtl="0" algn="l">
+              <a:lnSpc>
+                <a:spcPct val="115000"/>
+              </a:lnSpc>
+              <a:spcBef>
+                <a:spcPts val="1200"/>
+              </a:spcBef>
+              <a:spcAft>
+                <a:spcPts val="1200"/>
+              </a:spcAft>
+              <a:buNone/>
+            </a:pPr>
+            <a:r>
+              <a:rPr lang="es" sz="900"/>
+              <a:t>💡 </a:t>
+            </a:r>
+            <a:r>
+              <a:rPr b="1" lang="es" sz="900"/>
+              <a:t>Takeaway:</a:t>
+            </a:r>
+            <a:r>
+              <a:rPr lang="es" sz="900"/>
+              <a:t> Understanding conservation status trends helps guide policies focused on </a:t>
+            </a:r>
+            <a:r>
+              <a:rPr b="1" lang="es" sz="900"/>
+              <a:t>species at risk</a:t>
+            </a:r>
+            <a:r>
+              <a:rPr lang="es" sz="900"/>
+              <a:t>, ensuring proper interventions before they reach critical endangerment levels.</a:t>
+            </a:r>
+            <a:endParaRPr sz="900"/>
           </a:p>
         </p:txBody>
       </p:sp>
@@ -19559,8 +19871,8 @@
         </p:blipFill>
         <p:spPr>
           <a:xfrm>
-            <a:off x="2635703" y="1334850"/>
-            <a:ext cx="3872575" cy="1917024"/>
+            <a:off x="3029976" y="1105625"/>
+            <a:ext cx="3084049" cy="1526676"/>
           </a:xfrm>
           <a:prstGeom prst="rect">
             <a:avLst/>
@@ -19579,7 +19891,7 @@
         </p:nvSpPr>
         <p:spPr>
           <a:xfrm>
-            <a:off x="1643850" y="3556800"/>
+            <a:off x="1643850" y="2528750"/>
             <a:ext cx="6350400" cy="1228500"/>
           </a:xfrm>
           <a:prstGeom prst="rect">
@@ -19609,17 +19921,21 @@
               <a:buNone/>
             </a:pPr>
             <a:r>
-              <a:rPr lang="es" sz="1100"/>
+              <a:rPr lang="es" sz="900"/>
               <a:t>📌 </a:t>
             </a:r>
             <a:r>
-              <a:rPr b="1" lang="es" sz="1100"/>
-              <a:t>Key Insights</a:t>
-            </a:r>
-            <a:endParaRPr b="1" sz="1100"/>
+              <a:rPr b="1" lang="es" sz="900"/>
+              <a:t>Introduction:</a:t>
+            </a:r>
+            <a:r>
+              <a:rPr lang="es" sz="900"/>
+              <a:t> This visualization illustrates which species categories are more vulnerable to endangerment, supporting strategic conservation prioritization.</a:t>
+            </a:r>
+            <a:endParaRPr sz="900"/>
           </a:p>
           <a:p>
-            <a:pPr indent="-298450" lvl="0" marL="457200" rtl="0" algn="l">
+            <a:pPr indent="0" lvl="0" marL="0" rtl="0" algn="l">
               <a:lnSpc>
                 <a:spcPct val="115000"/>
               </a:lnSpc>
@@ -19629,69 +19945,75 @@
               <a:spcAft>
                 <a:spcPts val="0"/>
               </a:spcAft>
-              <a:buSzPts val="1100"/>
-              <a:buChar char="●"/>
+              <a:buNone/>
             </a:pPr>
             <a:r>
-              <a:rPr b="1" lang="es" sz="1100"/>
-              <a:t>Birds and vascular plants</a:t>
-            </a:r>
-            <a:r>
-              <a:rPr lang="es" sz="1100"/>
-              <a:t> have the highest number of endangered species.</a:t>
-            </a:r>
-            <a:endParaRPr sz="1100"/>
+              <a:rPr lang="es" sz="900"/>
+              <a:t>🖼 </a:t>
+            </a:r>
+            <a:r>
+              <a:rPr b="1" lang="es" sz="900"/>
+              <a:t>Graph &amp; Caption:</a:t>
+            </a:r>
+            <a:r>
+              <a:rPr lang="es" sz="900"/>
+              <a:t> </a:t>
+            </a:r>
+            <a:r>
+              <a:rPr i="1" lang="es" sz="900"/>
+              <a:t>Figure: Endangered Species Count by Category</a:t>
+            </a:r>
+            <a:endParaRPr i="1" sz="900"/>
           </a:p>
           <a:p>
-            <a:pPr indent="-298450" lvl="0" marL="457200" rtl="0" algn="l">
+            <a:pPr indent="0" lvl="0" marL="0" rtl="0" algn="l">
               <a:lnSpc>
                 <a:spcPct val="115000"/>
               </a:lnSpc>
               <a:spcBef>
-                <a:spcPts val="0"/>
-              </a:spcBef>
-              <a:spcAft>
-                <a:spcPts val="0"/>
-              </a:spcAft>
-              <a:buSzPts val="1100"/>
-              <a:buChar char="●"/>
+                <a:spcPts val="1200"/>
+              </a:spcBef>
+              <a:spcAft>
+                <a:spcPts val="0"/>
+              </a:spcAft>
+              <a:buNone/>
             </a:pPr>
             <a:r>
-              <a:rPr b="1" lang="es" sz="1100"/>
-              <a:t>Mammals</a:t>
-            </a:r>
-            <a:r>
-              <a:rPr lang="es" sz="1100"/>
-              <a:t> also show notable presence in endangered categories.</a:t>
-            </a:r>
-            <a:endParaRPr sz="1100"/>
+              <a:rPr lang="es" sz="900"/>
+              <a:t>🔍 </a:t>
+            </a:r>
+            <a:r>
+              <a:rPr b="1" lang="es" sz="900"/>
+              <a:t>Key Insights:</a:t>
+            </a:r>
+            <a:endParaRPr b="1" sz="900"/>
           </a:p>
           <a:p>
-            <a:pPr indent="-298450" lvl="0" marL="457200" rtl="0" algn="l">
+            <a:pPr indent="-285750" lvl="0" marL="457200" rtl="0" algn="l">
               <a:lnSpc>
                 <a:spcPct val="115000"/>
               </a:lnSpc>
               <a:spcBef>
-                <a:spcPts val="0"/>
-              </a:spcBef>
-              <a:spcAft>
-                <a:spcPts val="0"/>
-              </a:spcAft>
-              <a:buSzPts val="1100"/>
+                <a:spcPts val="1200"/>
+              </a:spcBef>
+              <a:spcAft>
+                <a:spcPts val="0"/>
+              </a:spcAft>
+              <a:buSzPts val="900"/>
               <a:buChar char="●"/>
             </a:pPr>
             <a:r>
-              <a:rPr b="1" lang="es" sz="1100"/>
-              <a:t>Reptiles, amphibians, and fish</a:t>
-            </a:r>
-            <a:r>
-              <a:rPr lang="es" sz="1100"/>
-              <a:t> show lower counts in endangered status.</a:t>
-            </a:r>
-            <a:endParaRPr sz="1100"/>
+              <a:rPr b="1" lang="es" sz="900"/>
+              <a:t>Birds and vascular plants</a:t>
+            </a:r>
+            <a:r>
+              <a:rPr lang="es" sz="900"/>
+              <a:t> have the highest number of endangered species, indicating ecological pressures on these groups.</a:t>
+            </a:r>
+            <a:endParaRPr sz="900"/>
           </a:p>
           <a:p>
-            <a:pPr indent="-298450" lvl="0" marL="457200" rtl="0" algn="l">
+            <a:pPr indent="-285750" lvl="0" marL="457200" rtl="0" algn="l">
               <a:lnSpc>
                 <a:spcPct val="115000"/>
               </a:lnSpc>
@@ -19701,18 +20023,101 @@
               <a:spcAft>
                 <a:spcPts val="0"/>
               </a:spcAft>
-              <a:buSzPts val="1100"/>
+              <a:buSzPts val="900"/>
               <a:buChar char="●"/>
             </a:pPr>
             <a:r>
-              <a:rPr b="1" lang="es" sz="1100"/>
-              <a:t>Chi-square test reinforces the vulnerability trend</a:t>
-            </a:r>
-            <a:r>
-              <a:rPr lang="es" sz="1100"/>
-              <a:t> among species groups.</a:t>
-            </a:r>
-            <a:endParaRPr sz="1100"/>
+              <a:rPr b="1" lang="es" sz="900"/>
+              <a:t>Mammals</a:t>
+            </a:r>
+            <a:r>
+              <a:rPr lang="es" sz="900"/>
+              <a:t> also show considerable presence in endangered classifications.</a:t>
+            </a:r>
+            <a:endParaRPr sz="900"/>
+          </a:p>
+          <a:p>
+            <a:pPr indent="-285750" lvl="0" marL="457200" rtl="0" algn="l">
+              <a:lnSpc>
+                <a:spcPct val="115000"/>
+              </a:lnSpc>
+              <a:spcBef>
+                <a:spcPts val="0"/>
+              </a:spcBef>
+              <a:spcAft>
+                <a:spcPts val="0"/>
+              </a:spcAft>
+              <a:buSzPts val="900"/>
+              <a:buChar char="●"/>
+            </a:pPr>
+            <a:r>
+              <a:rPr b="1" lang="es" sz="900"/>
+              <a:t>Reptiles, amphibians, and fish</a:t>
+            </a:r>
+            <a:r>
+              <a:rPr lang="es" sz="900"/>
+              <a:t> exhibit fewer endangered species, possibly due to differing habitat or population dynamics.</a:t>
+            </a:r>
+            <a:endParaRPr sz="900"/>
+          </a:p>
+          <a:p>
+            <a:pPr indent="-285750" lvl="0" marL="457200" rtl="0" algn="l">
+              <a:lnSpc>
+                <a:spcPct val="115000"/>
+              </a:lnSpc>
+              <a:spcBef>
+                <a:spcPts val="0"/>
+              </a:spcBef>
+              <a:spcAft>
+                <a:spcPts val="0"/>
+              </a:spcAft>
+              <a:buSzPts val="900"/>
+              <a:buChar char="●"/>
+            </a:pPr>
+            <a:r>
+              <a:rPr b="1" lang="es" sz="900"/>
+              <a:t>Chi-square analysis reinforces this vulnerability trend</a:t>
+            </a:r>
+            <a:r>
+              <a:rPr lang="es" sz="900"/>
+              <a:t>, confirming statistically significant differences.</a:t>
+            </a:r>
+            <a:endParaRPr sz="900"/>
+          </a:p>
+          <a:p>
+            <a:pPr indent="0" lvl="0" marL="0" rtl="0" algn="l">
+              <a:lnSpc>
+                <a:spcPct val="115000"/>
+              </a:lnSpc>
+              <a:spcBef>
+                <a:spcPts val="1200"/>
+              </a:spcBef>
+              <a:spcAft>
+                <a:spcPts val="0"/>
+              </a:spcAft>
+              <a:buNone/>
+            </a:pPr>
+            <a:r>
+              <a:rPr lang="es" sz="900"/>
+              <a:t>💡 </a:t>
+            </a:r>
+            <a:r>
+              <a:rPr b="1" lang="es" sz="900"/>
+              <a:t>Takeaway:</a:t>
+            </a:r>
+            <a:r>
+              <a:rPr lang="es" sz="900"/>
+              <a:t> Targeted conservation efforts should </a:t>
+            </a:r>
+            <a:r>
+              <a:rPr b="1" lang="es" sz="900"/>
+              <a:t>focus on birds and vascular plants</a:t>
+            </a:r>
+            <a:r>
+              <a:rPr lang="es" sz="900"/>
+              <a:t>, as they face the highest risks from environmental threats.</a:t>
+            </a:r>
+            <a:endParaRPr sz="900"/>
           </a:p>
           <a:p>
             <a:pPr indent="0" lvl="0" marL="457200" rtl="0" algn="l">
@@ -19730,7 +20135,7 @@
             <a:r>
               <a:t/>
             </a:r>
-            <a:endParaRPr sz="1100"/>
+            <a:endParaRPr sz="900"/>
           </a:p>
         </p:txBody>
       </p:sp>
@@ -19815,8 +20220,8 @@
         </p:blipFill>
         <p:spPr>
           <a:xfrm>
-            <a:off x="3132000" y="1237550"/>
-            <a:ext cx="3309076" cy="1457399"/>
+            <a:off x="3328173" y="1114350"/>
+            <a:ext cx="3145427" cy="1385325"/>
           </a:xfrm>
           <a:prstGeom prst="rect">
             <a:avLst/>
@@ -19835,7 +20240,7 @@
         </p:nvSpPr>
         <p:spPr>
           <a:xfrm>
-            <a:off x="1643850" y="2750400"/>
+            <a:off x="1643850" y="2392225"/>
             <a:ext cx="6350400" cy="1228500"/>
           </a:xfrm>
           <a:prstGeom prst="rect">
@@ -19865,146 +20270,26 @@
               <a:buNone/>
             </a:pPr>
             <a:r>
-              <a:rPr lang="es" sz="1100"/>
+              <a:rPr lang="es" sz="700"/>
               <a:t>📌 </a:t>
             </a:r>
             <a:r>
-              <a:rPr b="1" lang="es" sz="1100"/>
-              <a:t>Key Insights</a:t>
-            </a:r>
-            <a:endParaRPr b="1" sz="1100"/>
-          </a:p>
-          <a:p>
-            <a:pPr indent="-298450" lvl="0" marL="457200" rtl="0" algn="l">
-              <a:lnSpc>
-                <a:spcPct val="115000"/>
-              </a:lnSpc>
-              <a:spcBef>
-                <a:spcPts val="1200"/>
-              </a:spcBef>
-              <a:spcAft>
-                <a:spcPts val="0"/>
-              </a:spcAft>
-              <a:buSzPts val="1100"/>
-              <a:buChar char="●"/>
-            </a:pPr>
-            <a:r>
-              <a:rPr b="1" lang="es" sz="1100"/>
-              <a:t>Holcus lanatus had the highest recorded observations in Yellowstone</a:t>
-            </a:r>
-            <a:r>
-              <a:rPr lang="es" sz="1100"/>
-              <a:t> (805 sightings).</a:t>
-            </a:r>
-            <a:endParaRPr sz="1100"/>
-          </a:p>
-          <a:p>
-            <a:pPr indent="-298450" lvl="0" marL="457200" rtl="0" algn="l">
-              <a:lnSpc>
-                <a:spcPct val="115000"/>
-              </a:lnSpc>
-              <a:spcBef>
-                <a:spcPts val="0"/>
-              </a:spcBef>
-              <a:spcAft>
-                <a:spcPts val="0"/>
-              </a:spcAft>
-              <a:buSzPts val="1100"/>
-              <a:buChar char="●"/>
-            </a:pPr>
-            <a:r>
-              <a:rPr b="1" lang="es" sz="1100"/>
-              <a:t>Streptopelia decaocto</a:t>
-            </a:r>
-            <a:r>
-              <a:rPr lang="es" sz="1100"/>
-              <a:t> appears frequently across multiple parks, showing adaptability.</a:t>
-            </a:r>
-            <a:endParaRPr sz="1100"/>
-          </a:p>
-          <a:p>
-            <a:pPr indent="-298450" lvl="0" marL="457200" rtl="0" algn="l">
-              <a:lnSpc>
-                <a:spcPct val="115000"/>
-              </a:lnSpc>
-              <a:spcBef>
-                <a:spcPts val="0"/>
-              </a:spcBef>
-              <a:spcAft>
-                <a:spcPts val="0"/>
-              </a:spcAft>
-              <a:buSzPts val="1100"/>
-              <a:buChar char="●"/>
-            </a:pPr>
-            <a:r>
-              <a:rPr b="1" lang="es" sz="1100"/>
-              <a:t>Puma concolor and Procyon lotor</a:t>
-            </a:r>
-            <a:r>
-              <a:rPr lang="es" sz="1100"/>
-              <a:t> demonstrate </a:t>
-            </a:r>
-            <a:r>
-              <a:rPr b="1" lang="es" sz="1100"/>
-              <a:t>habitat flexibility</a:t>
-            </a:r>
-            <a:r>
-              <a:rPr lang="es" sz="1100"/>
-              <a:t>, appearing in various locations.</a:t>
-            </a:r>
-            <a:endParaRPr sz="1100"/>
-          </a:p>
-          <a:p>
-            <a:pPr indent="-298450" lvl="0" marL="457200" rtl="0" algn="l">
-              <a:lnSpc>
-                <a:spcPct val="115000"/>
-              </a:lnSpc>
-              <a:spcBef>
-                <a:spcPts val="0"/>
-              </a:spcBef>
-              <a:spcAft>
-                <a:spcPts val="0"/>
-              </a:spcAft>
-              <a:buSzPts val="1100"/>
-              <a:buChar char="●"/>
-            </a:pPr>
-            <a:r>
-              <a:rPr b="1" lang="es" sz="1100"/>
-              <a:t>Castor canadensis and Hypochaeris radicata</a:t>
-            </a:r>
-            <a:r>
-              <a:rPr lang="es" sz="1100"/>
-              <a:t> are seen in multiple parks, indicating widespread distribution.</a:t>
-            </a:r>
-            <a:endParaRPr sz="1100"/>
-          </a:p>
-          <a:p>
-            <a:pPr indent="-298450" lvl="0" marL="457200" rtl="0" algn="l">
-              <a:lnSpc>
-                <a:spcPct val="115000"/>
-              </a:lnSpc>
-              <a:spcBef>
-                <a:spcPts val="0"/>
-              </a:spcBef>
-              <a:spcAft>
-                <a:spcPts val="0"/>
-              </a:spcAft>
-              <a:buSzPts val="1100"/>
-              <a:buChar char="●"/>
-            </a:pPr>
-            <a:r>
-              <a:rPr lang="es" sz="1100"/>
-              <a:t>Certain species are </a:t>
-            </a:r>
-            <a:r>
-              <a:rPr b="1" lang="es" sz="1100"/>
-              <a:t>highly localized</a:t>
-            </a:r>
-            <a:r>
-              <a:rPr lang="es" sz="1100"/>
-              <a:t>, while others are found across different ecosystems.</a:t>
-            </a:r>
-            <a:endParaRPr b="1" sz="1100"/>
+              <a:rPr b="1" lang="es" sz="700"/>
+              <a:t>Introduction:</a:t>
+            </a:r>
+            <a:r>
+              <a:rPr lang="es" sz="700"/>
+              <a:t> This visualization highlights the </a:t>
+            </a:r>
+            <a:r>
+              <a:rPr b="1" lang="es" sz="700"/>
+              <a:t>most frequently recorded species</a:t>
+            </a:r>
+            <a:r>
+              <a:rPr lang="es" sz="700"/>
+              <a:t> across major national parks, providing insights into species distribution and habitat adaptability.</a:t>
+            </a:r>
+            <a:endParaRPr sz="700"/>
           </a:p>
           <a:p>
             <a:pPr indent="0" lvl="0" marL="0" rtl="0" algn="l">
@@ -20015,23 +20300,229 @@
                 <a:spcPts val="1200"/>
               </a:spcBef>
               <a:spcAft>
+                <a:spcPts val="0"/>
+              </a:spcAft>
+              <a:buNone/>
+            </a:pPr>
+            <a:r>
+              <a:rPr lang="es" sz="700"/>
+              <a:t>🖼 </a:t>
+            </a:r>
+            <a:r>
+              <a:rPr b="1" lang="es" sz="700"/>
+              <a:t>Graph &amp; Caption:</a:t>
+            </a:r>
+            <a:r>
+              <a:rPr lang="es" sz="700"/>
+              <a:t> </a:t>
+            </a:r>
+            <a:r>
+              <a:rPr i="1" lang="es" sz="700"/>
+              <a:t>Figure: Most Observed Species in Each National Park</a:t>
+            </a:r>
+            <a:endParaRPr i="1" sz="700"/>
+          </a:p>
+          <a:p>
+            <a:pPr indent="0" lvl="0" marL="0" rtl="0" algn="l">
+              <a:lnSpc>
+                <a:spcPct val="115000"/>
+              </a:lnSpc>
+              <a:spcBef>
                 <a:spcPts val="1200"/>
+              </a:spcBef>
+              <a:spcAft>
+                <a:spcPts val="0"/>
               </a:spcAft>
               <a:buNone/>
             </a:pPr>
             <a:r>
-              <a:rPr lang="es" sz="1100"/>
+              <a:rPr lang="es" sz="700"/>
+              <a:t>🔍 </a:t>
+            </a:r>
+            <a:r>
+              <a:rPr b="1" lang="es" sz="700"/>
+              <a:t>Key Insights:</a:t>
+            </a:r>
+            <a:endParaRPr b="1" sz="700"/>
+          </a:p>
+          <a:p>
+            <a:pPr indent="-273050" lvl="0" marL="457200" rtl="0" algn="l">
+              <a:lnSpc>
+                <a:spcPct val="115000"/>
+              </a:lnSpc>
+              <a:spcBef>
+                <a:spcPts val="1200"/>
+              </a:spcBef>
+              <a:spcAft>
+                <a:spcPts val="0"/>
+              </a:spcAft>
+              <a:buSzPts val="700"/>
+              <a:buChar char="●"/>
+            </a:pPr>
+            <a:r>
+              <a:rPr b="1" lang="es" sz="700"/>
+              <a:t>Yosemite National Park:</a:t>
+            </a:r>
+            <a:r>
+              <a:rPr lang="es" sz="700"/>
+              <a:t> Most observed species include </a:t>
+            </a:r>
+            <a:r>
+              <a:rPr b="1" lang="es" sz="700"/>
+              <a:t>Hypochaeris radicata, Castor canadensis, Holcus lanatus, Streptopelia decaocto, and Procyon lotor</a:t>
+            </a:r>
+            <a:r>
+              <a:rPr lang="es" sz="700"/>
+              <a:t>.</a:t>
+            </a:r>
+            <a:endParaRPr sz="700"/>
+          </a:p>
+          <a:p>
+            <a:pPr indent="-273050" lvl="0" marL="457200" rtl="0" algn="l">
+              <a:lnSpc>
+                <a:spcPct val="115000"/>
+              </a:lnSpc>
+              <a:spcBef>
+                <a:spcPts val="0"/>
+              </a:spcBef>
+              <a:spcAft>
+                <a:spcPts val="0"/>
+              </a:spcAft>
+              <a:buSzPts val="700"/>
+              <a:buChar char="●"/>
+            </a:pPr>
+            <a:r>
+              <a:rPr b="1" lang="es" sz="700"/>
+              <a:t>Yellowstone National Park:</a:t>
+            </a:r>
+            <a:r>
+              <a:rPr lang="es" sz="700"/>
+              <a:t> Species such as </a:t>
+            </a:r>
+            <a:r>
+              <a:rPr b="1" lang="es" sz="700"/>
+              <a:t>Hypochaeris radicata, Holcus lanatus, Streptopelia decaocto, Procyon lotor, and Puma concolor</a:t>
+            </a:r>
+            <a:r>
+              <a:rPr lang="es" sz="700"/>
+              <a:t> are frequently recorded.</a:t>
+            </a:r>
+            <a:endParaRPr sz="700"/>
+          </a:p>
+          <a:p>
+            <a:pPr indent="-273050" lvl="0" marL="457200" rtl="0" algn="l">
+              <a:lnSpc>
+                <a:spcPct val="115000"/>
+              </a:lnSpc>
+              <a:spcBef>
+                <a:spcPts val="0"/>
+              </a:spcBef>
+              <a:spcAft>
+                <a:spcPts val="0"/>
+              </a:spcAft>
+              <a:buSzPts val="700"/>
+              <a:buChar char="●"/>
+            </a:pPr>
+            <a:r>
+              <a:rPr b="1" lang="es" sz="700"/>
+              <a:t>Great Smoky Mountains National Park:</a:t>
+            </a:r>
+            <a:r>
+              <a:rPr lang="es" sz="700"/>
+              <a:t> </a:t>
+            </a:r>
+            <a:r>
+              <a:rPr b="1" lang="es" sz="700"/>
+              <a:t>Castor canadensis, Streptopelia decaocto, Procyon lotor, Puma concolor, and Fragaria virginiana</a:t>
+            </a:r>
+            <a:r>
+              <a:rPr lang="es" sz="700"/>
+              <a:t> are among the most observed.</a:t>
+            </a:r>
+            <a:endParaRPr sz="700"/>
+          </a:p>
+          <a:p>
+            <a:pPr indent="-273050" lvl="0" marL="457200" rtl="0" algn="l">
+              <a:lnSpc>
+                <a:spcPct val="115000"/>
+              </a:lnSpc>
+              <a:spcBef>
+                <a:spcPts val="0"/>
+              </a:spcBef>
+              <a:spcAft>
+                <a:spcPts val="0"/>
+              </a:spcAft>
+              <a:buSzPts val="700"/>
+              <a:buChar char="●"/>
+            </a:pPr>
+            <a:r>
+              <a:rPr b="1" lang="es" sz="700"/>
+              <a:t>Bryce National Park:</a:t>
+            </a:r>
+            <a:r>
+              <a:rPr lang="es" sz="700"/>
+              <a:t> Most common species include </a:t>
+            </a:r>
+            <a:r>
+              <a:rPr b="1" lang="es" sz="700"/>
+              <a:t>Streptopelia decaocto, Puma concolor, Columba livia, Avena sativa, and Myotis lucifugus</a:t>
+            </a:r>
+            <a:r>
+              <a:rPr lang="es" sz="700"/>
+              <a:t>.</a:t>
+            </a:r>
+            <a:endParaRPr sz="700"/>
+          </a:p>
+          <a:p>
+            <a:pPr indent="0" lvl="0" marL="0" rtl="0" algn="l">
+              <a:lnSpc>
+                <a:spcPct val="115000"/>
+              </a:lnSpc>
+              <a:spcBef>
+                <a:spcPts val="1200"/>
+              </a:spcBef>
+              <a:spcAft>
+                <a:spcPts val="1200"/>
+              </a:spcAft>
+              <a:buNone/>
+            </a:pPr>
+            <a:r>
+              <a:rPr lang="es" sz="700"/>
               <a:t>💡 </a:t>
             </a:r>
             <a:r>
-              <a:rPr b="1" lang="es" sz="1100"/>
+              <a:rPr b="1" lang="es" sz="700"/>
               <a:t>Takeaway:</a:t>
             </a:r>
             <a:r>
-              <a:rPr lang="es" sz="1100"/>
-              <a:t> Understanding species distribution is essential for conservation planning—widely spread species require habitat preservation, while localized species need targeted interventions.</a:t>
-            </a:r>
-            <a:endParaRPr sz="1100"/>
+              <a:rPr lang="es" sz="700"/>
+              <a:t> Species distribution across parks suggests that </a:t>
+            </a:r>
+            <a:r>
+              <a:rPr b="1" lang="es" sz="700"/>
+              <a:t>some species are widespread and adaptable</a:t>
+            </a:r>
+            <a:r>
+              <a:rPr lang="es" sz="700"/>
+              <a:t>, while others are more </a:t>
+            </a:r>
+            <a:r>
+              <a:rPr b="1" lang="es" sz="700"/>
+              <a:t>localized to specific environments</a:t>
+            </a:r>
+            <a:r>
+              <a:rPr lang="es" sz="700"/>
+              <a:t>. These findings support targeted conservation strategies to </a:t>
+            </a:r>
+            <a:r>
+              <a:rPr b="1" lang="es" sz="700"/>
+              <a:t>preserve habitats</a:t>
+            </a:r>
+            <a:r>
+              <a:rPr lang="es" sz="700"/>
+              <a:t> where biodiversity is most concentrated.</a:t>
+            </a:r>
+            <a:endParaRPr sz="400"/>
           </a:p>
         </p:txBody>
       </p:sp>
@@ -20120,8 +20611,8 @@
         </p:blipFill>
         <p:spPr>
           <a:xfrm>
-            <a:off x="2394350" y="1234825"/>
-            <a:ext cx="4849402" cy="2046626"/>
+            <a:off x="2722175" y="1163200"/>
+            <a:ext cx="3988825" cy="1683425"/>
           </a:xfrm>
           <a:prstGeom prst="rect">
             <a:avLst/>
@@ -20140,7 +20631,7 @@
         </p:nvSpPr>
         <p:spPr>
           <a:xfrm>
-            <a:off x="1643850" y="3556800"/>
+            <a:off x="1615175" y="2707425"/>
             <a:ext cx="6350400" cy="1228500"/>
           </a:xfrm>
           <a:prstGeom prst="rect">
@@ -20170,17 +20661,21 @@
               <a:buNone/>
             </a:pPr>
             <a:r>
-              <a:rPr lang="es" sz="1100"/>
+              <a:rPr lang="es" sz="800"/>
               <a:t>📌 </a:t>
             </a:r>
             <a:r>
-              <a:rPr b="1" lang="es" sz="1100"/>
-              <a:t>Key Insights</a:t>
-            </a:r>
-            <a:endParaRPr b="1" sz="1100"/>
+              <a:rPr b="1" lang="es" sz="800"/>
+              <a:t>Introduction:</a:t>
+            </a:r>
+            <a:r>
+              <a:rPr lang="es" sz="800"/>
+              <a:t> This visualization highlights the most frequently recorded species across major national parks, offering insights into species distribution and adaptability.</a:t>
+            </a:r>
+            <a:endParaRPr sz="800"/>
           </a:p>
           <a:p>
-            <a:pPr indent="-298450" lvl="0" marL="457200" rtl="0" algn="l">
+            <a:pPr indent="0" lvl="0" marL="0" rtl="0" algn="l">
               <a:lnSpc>
                 <a:spcPct val="115000"/>
               </a:lnSpc>
@@ -20190,69 +20685,83 @@
               <a:spcAft>
                 <a:spcPts val="0"/>
               </a:spcAft>
-              <a:buSzPts val="1100"/>
-              <a:buChar char="●"/>
+              <a:buNone/>
             </a:pPr>
             <a:r>
-              <a:rPr b="1" lang="es" sz="1100"/>
-              <a:t>Streptopelia decaocto</a:t>
-            </a:r>
-            <a:r>
-              <a:rPr lang="es" sz="1100"/>
-              <a:t> appears frequently across multiple parks, showing adaptability.</a:t>
-            </a:r>
-            <a:endParaRPr sz="1100"/>
+              <a:rPr lang="es" sz="800"/>
+              <a:t>🖼 </a:t>
+            </a:r>
+            <a:r>
+              <a:rPr b="1" lang="es" sz="800"/>
+              <a:t>Graph &amp; Caption:</a:t>
+            </a:r>
+            <a:r>
+              <a:rPr lang="es" sz="800"/>
+              <a:t> </a:t>
+            </a:r>
+            <a:r>
+              <a:rPr i="1" lang="es" sz="800"/>
+              <a:t>Figure: Observation Counts of Species Per Park</a:t>
+            </a:r>
+            <a:endParaRPr i="1" sz="800"/>
           </a:p>
           <a:p>
-            <a:pPr indent="-298450" lvl="0" marL="457200" rtl="0" algn="l">
+            <a:pPr indent="0" lvl="0" marL="0" rtl="0" algn="l">
               <a:lnSpc>
                 <a:spcPct val="115000"/>
               </a:lnSpc>
               <a:spcBef>
-                <a:spcPts val="0"/>
-              </a:spcBef>
-              <a:spcAft>
-                <a:spcPts val="0"/>
-              </a:spcAft>
-              <a:buSzPts val="1100"/>
-              <a:buChar char="●"/>
+                <a:spcPts val="1200"/>
+              </a:spcBef>
+              <a:spcAft>
+                <a:spcPts val="0"/>
+              </a:spcAft>
+              <a:buNone/>
             </a:pPr>
             <a:r>
-              <a:rPr b="1" lang="es" sz="1100"/>
-              <a:t>Puma concolor and Procyon lotor</a:t>
-            </a:r>
-            <a:r>
-              <a:rPr lang="es" sz="1100"/>
-              <a:t> are widely distributed across different environments.</a:t>
-            </a:r>
-            <a:endParaRPr sz="1100"/>
+              <a:rPr lang="es" sz="800"/>
+              <a:t>🔍 </a:t>
+            </a:r>
+            <a:r>
+              <a:rPr b="1" lang="es" sz="800"/>
+              <a:t>Key Insights:</a:t>
+            </a:r>
+            <a:endParaRPr b="1" sz="800"/>
           </a:p>
           <a:p>
-            <a:pPr indent="-298450" lvl="0" marL="457200" rtl="0" algn="l">
+            <a:pPr indent="-279400" lvl="0" marL="457200" rtl="0" algn="l">
               <a:lnSpc>
                 <a:spcPct val="115000"/>
               </a:lnSpc>
               <a:spcBef>
-                <a:spcPts val="0"/>
-              </a:spcBef>
-              <a:spcAft>
-                <a:spcPts val="0"/>
-              </a:spcAft>
-              <a:buSzPts val="1100"/>
+                <a:spcPts val="1200"/>
+              </a:spcBef>
+              <a:spcAft>
+                <a:spcPts val="0"/>
+              </a:spcAft>
+              <a:buSzPts val="800"/>
               <a:buChar char="●"/>
             </a:pPr>
             <a:r>
-              <a:rPr b="1" lang="es" sz="1100"/>
-              <a:t>Holcus lanatus had the highest recorded observations in Yellowstone</a:t>
-            </a:r>
-            <a:r>
-              <a:rPr lang="es" sz="1100"/>
+              <a:rPr b="1" lang="es" sz="800"/>
+              <a:t>Holcus lanatus</a:t>
+            </a:r>
+            <a:r>
+              <a:rPr lang="es" sz="800"/>
+              <a:t> had the highest recorded observations in </a:t>
+            </a:r>
+            <a:r>
+              <a:rPr b="1" lang="es" sz="800"/>
+              <a:t>Yellowstone National Park</a:t>
+            </a:r>
+            <a:r>
+              <a:rPr lang="es" sz="800"/>
               <a:t> (805 sightings).</a:t>
             </a:r>
-            <a:endParaRPr sz="1100"/>
+            <a:endParaRPr sz="800"/>
           </a:p>
           <a:p>
-            <a:pPr indent="-298450" lvl="0" marL="457200" rtl="0" algn="l">
+            <a:pPr indent="-279400" lvl="0" marL="457200" rtl="0" algn="l">
               <a:lnSpc>
                 <a:spcPct val="115000"/>
               </a:lnSpc>
@@ -20262,30 +20771,137 @@
               <a:spcAft>
                 <a:spcPts val="0"/>
               </a:spcAft>
-              <a:buSzPts val="1100"/>
+              <a:buSzPts val="800"/>
               <a:buChar char="●"/>
             </a:pPr>
             <a:r>
-              <a:rPr lang="es" sz="1100"/>
-              <a:t>Some species appear </a:t>
-            </a:r>
-            <a:r>
-              <a:rPr b="1" lang="es" sz="1100"/>
-              <a:t>localized</a:t>
-            </a:r>
-            <a:r>
-              <a:rPr lang="es" sz="1100"/>
+              <a:rPr b="1" lang="es" sz="800"/>
+              <a:t>Streptopelia decaocto</a:t>
+            </a:r>
+            <a:r>
+              <a:rPr lang="es" sz="800"/>
+              <a:t> appears frequently across multiple parks, demonstrating adaptability.</a:t>
+            </a:r>
+            <a:endParaRPr sz="800"/>
+          </a:p>
+          <a:p>
+            <a:pPr indent="-279400" lvl="0" marL="457200" rtl="0" algn="l">
+              <a:lnSpc>
+                <a:spcPct val="115000"/>
+              </a:lnSpc>
+              <a:spcBef>
+                <a:spcPts val="0"/>
+              </a:spcBef>
+              <a:spcAft>
+                <a:spcPts val="0"/>
+              </a:spcAft>
+              <a:buSzPts val="800"/>
+              <a:buChar char="●"/>
+            </a:pPr>
+            <a:r>
+              <a:rPr b="1" lang="es" sz="800"/>
+              <a:t>Puma concolor and Procyon lotor</a:t>
+            </a:r>
+            <a:r>
+              <a:rPr lang="es" sz="800"/>
+              <a:t> exhibit habitat flexibility, appearing across diverse environments.</a:t>
+            </a:r>
+            <a:endParaRPr sz="800"/>
+          </a:p>
+          <a:p>
+            <a:pPr indent="-279400" lvl="0" marL="457200" rtl="0" algn="l">
+              <a:lnSpc>
+                <a:spcPct val="115000"/>
+              </a:lnSpc>
+              <a:spcBef>
+                <a:spcPts val="0"/>
+              </a:spcBef>
+              <a:spcAft>
+                <a:spcPts val="0"/>
+              </a:spcAft>
+              <a:buSzPts val="800"/>
+              <a:buChar char="●"/>
+            </a:pPr>
+            <a:r>
+              <a:rPr b="1" lang="es" sz="800"/>
+              <a:t>Castor canadensis and Hypochaeris radicata</a:t>
+            </a:r>
+            <a:r>
+              <a:rPr lang="es" sz="800"/>
+              <a:t> are widely distributed across parks, reinforcing species success in various habitats.</a:t>
+            </a:r>
+            <a:endParaRPr sz="800"/>
+          </a:p>
+          <a:p>
+            <a:pPr indent="-279400" lvl="0" marL="457200" rtl="0" algn="l">
+              <a:lnSpc>
+                <a:spcPct val="115000"/>
+              </a:lnSpc>
+              <a:spcBef>
+                <a:spcPts val="0"/>
+              </a:spcBef>
+              <a:spcAft>
+                <a:spcPts val="0"/>
+              </a:spcAft>
+              <a:buSzPts val="800"/>
+              <a:buChar char="●"/>
+            </a:pPr>
+            <a:r>
+              <a:rPr lang="es" sz="800"/>
+              <a:t>Some species are </a:t>
+            </a:r>
+            <a:r>
+              <a:rPr b="1" lang="es" sz="800"/>
+              <a:t>highly localized</a:t>
+            </a:r>
+            <a:r>
+              <a:rPr lang="es" sz="800"/>
               <a:t>, while others thrive across </a:t>
             </a:r>
             <a:r>
-              <a:rPr b="1" lang="es" sz="1100"/>
+              <a:rPr b="1" lang="es" sz="800"/>
               <a:t>multiple national parks</a:t>
             </a:r>
             <a:r>
-              <a:rPr lang="es" sz="1100"/>
+              <a:rPr lang="es" sz="800"/>
               <a:t>.</a:t>
             </a:r>
-            <a:endParaRPr sz="1100"/>
+            <a:endParaRPr sz="800"/>
+          </a:p>
+          <a:p>
+            <a:pPr indent="0" lvl="0" marL="0" rtl="0" algn="l">
+              <a:lnSpc>
+                <a:spcPct val="115000"/>
+              </a:lnSpc>
+              <a:spcBef>
+                <a:spcPts val="1200"/>
+              </a:spcBef>
+              <a:spcAft>
+                <a:spcPts val="1200"/>
+              </a:spcAft>
+              <a:buNone/>
+            </a:pPr>
+            <a:r>
+              <a:rPr lang="es" sz="800"/>
+              <a:t>💡 </a:t>
+            </a:r>
+            <a:r>
+              <a:rPr b="1" lang="es" sz="800"/>
+              <a:t>Takeaway:</a:t>
+            </a:r>
+            <a:r>
+              <a:rPr lang="es" sz="800"/>
+              <a:t> Understanding species distribution is crucial—</a:t>
+            </a:r>
+            <a:r>
+              <a:rPr b="1" lang="es" sz="800"/>
+              <a:t>widely spread species require habitat preservation, while localized species need targeted interventions</a:t>
+            </a:r>
+            <a:r>
+              <a:rPr lang="es" sz="800"/>
+              <a:t>.</a:t>
+            </a:r>
+            <a:endParaRPr sz="600"/>
           </a:p>
         </p:txBody>
       </p:sp>
@@ -20298,6 +20914,285 @@
 </file>
 
 <file path=ppt/theme/theme1.xml><?xml version="1.0" encoding="utf-8"?>
+<a:theme xmlns:a="http://schemas.openxmlformats.org/drawingml/2006/main" xmlns:r="http://schemas.openxmlformats.org/officeDocument/2006/relationships">
+  <a:themeElements>
+    <a:clrScheme name="Default">
+      <a:dk1>
+        <a:srgbClr val="000000"/>
+      </a:dk1>
+      <a:lt1>
+        <a:srgbClr val="FFFFFF"/>
+      </a:lt1>
+      <a:dk2>
+        <a:srgbClr val="158158"/>
+      </a:dk2>
+      <a:lt2>
+        <a:srgbClr val="F3F3F3"/>
+      </a:lt2>
+      <a:accent1>
+        <a:srgbClr val="058DC7"/>
+      </a:accent1>
+      <a:accent2>
+        <a:srgbClr val="50B432"/>
+      </a:accent2>
+      <a:accent3>
+        <a:srgbClr val="ED561B"/>
+      </a:accent3>
+      <a:accent4>
+        <a:srgbClr val="EDEF00"/>
+      </a:accent4>
+      <a:accent5>
+        <a:srgbClr val="24CBE5"/>
+      </a:accent5>
+      <a:accent6>
+        <a:srgbClr val="64E572"/>
+      </a:accent6>
+      <a:hlink>
+        <a:srgbClr val="2200CC"/>
+      </a:hlink>
+      <a:folHlink>
+        <a:srgbClr val="551A8B"/>
+      </a:folHlink>
+    </a:clrScheme>
+    <a:fontScheme name="Office">
+      <a:majorFont>
+        <a:latin typeface="Arial"/>
+        <a:ea typeface=""/>
+        <a:cs typeface=""/>
+        <a:font script="Jpan" typeface="ＭＳ Ｐゴシック"/>
+        <a:font script="Hang" typeface="맑은 고딕"/>
+        <a:font script="Hans" typeface="宋体"/>
+        <a:font script="Hant" typeface="新細明體"/>
+        <a:font script="Arab" typeface="Times New Roman"/>
+        <a:font script="Hebr" typeface="Times New Roman"/>
+        <a:font script="Thai" typeface="Angsana New"/>
+        <a:font script="Ethi" typeface="Nyala"/>
+        <a:font script="Beng" typeface="Vrinda"/>
+        <a:font script="Gujr" typeface="Shruti"/>
+        <a:font script="Khmr" typeface="MoolBoran"/>
+        <a:font script="Knda" typeface="Tunga"/>
+        <a:font script="Guru" typeface="Raavi"/>
+        <a:font script="Cans" typeface="Euphemia"/>
+        <a:font script="Cher" typeface="Plantagenet Cherokee"/>
+        <a:font script="Yiii" typeface="Microsoft Yi Baiti"/>
+        <a:font script="Tibt" typeface="Microsoft Himalaya"/>
+        <a:font script="Thaa" typeface="MV Boli"/>
+        <a:font script="Deva" typeface="Mangal"/>
+        <a:font script="Telu" typeface="Gautami"/>
+        <a:font script="Taml" typeface="Latha"/>
+        <a:font script="Syrc" typeface="Estrangelo Edessa"/>
+        <a:font script="Orya" typeface="Kalinga"/>
+        <a:font script="Mlym" typeface="Kartika"/>
+        <a:font script="Laoo" typeface="DokChampa"/>
+        <a:font script="Sinh" typeface="Iskoola Pota"/>
+        <a:font script="Mong" typeface="Mongolian Baiti"/>
+        <a:font script="Viet" typeface="Times New Roman"/>
+        <a:font script="Uigh" typeface="Microsoft Uighur"/>
+        <a:font script="Geor" typeface="Sylfaen"/>
+      </a:majorFont>
+      <a:minorFont>
+        <a:latin typeface="Arial"/>
+        <a:ea typeface=""/>
+        <a:cs typeface=""/>
+        <a:font script="Jpan" typeface="ＭＳ Ｐゴシック"/>
+        <a:font script="Hang" typeface="맑은 고딕"/>
+        <a:font script="Hans" typeface="宋体"/>
+        <a:font script="Hant" typeface="新細明體"/>
+        <a:font script="Arab" typeface="Arial"/>
+        <a:font script="Hebr" typeface="Arial"/>
+        <a:font script="Thai" typeface="Cordia New"/>
+        <a:font script="Ethi" typeface="Nyala"/>
+        <a:font script="Beng" typeface="Vrinda"/>
+        <a:font script="Gujr" typeface="Shruti"/>
+        <a:font script="Khmr" typeface="DaunPenh"/>
+        <a:font script="Knda" typeface="Tunga"/>
+        <a:font script="Guru" typeface="Raavi"/>
+        <a:font script="Cans" typeface="Euphemia"/>
+        <a:font script="Cher" typeface="Plantagenet Cherokee"/>
+        <a:font script="Yiii" typeface="Microsoft Yi Baiti"/>
+        <a:font script="Tibt" typeface="Microsoft Himalaya"/>
+        <a:font script="Thaa" typeface="MV Boli"/>
+        <a:font script="Deva" typeface="Mangal"/>
+        <a:font script="Telu" typeface="Gautami"/>
+        <a:font script="Taml" typeface="Latha"/>
+        <a:font script="Syrc" typeface="Estrangelo Edessa"/>
+        <a:font script="Orya" typeface="Kalinga"/>
+        <a:font script="Mlym" typeface="Kartika"/>
+        <a:font script="Laoo" typeface="DokChampa"/>
+        <a:font script="Sinh" typeface="Iskoola Pota"/>
+        <a:font script="Mong" typeface="Mongolian Baiti"/>
+        <a:font script="Viet" typeface="Arial"/>
+        <a:font script="Uigh" typeface="Microsoft Uighur"/>
+        <a:font script="Geor" typeface="Sylfaen"/>
+      </a:minorFont>
+    </a:fontScheme>
+    <a:fmtScheme name="Office">
+      <a:fillStyleLst>
+        <a:solidFill>
+          <a:schemeClr val="phClr"/>
+        </a:solidFill>
+        <a:gradFill rotWithShape="1">
+          <a:gsLst>
+            <a:gs pos="0">
+              <a:schemeClr val="phClr">
+                <a:tint val="50000"/>
+                <a:satMod val="300000"/>
+              </a:schemeClr>
+            </a:gs>
+            <a:gs pos="35000">
+              <a:schemeClr val="phClr">
+                <a:tint val="37000"/>
+                <a:satMod val="300000"/>
+              </a:schemeClr>
+            </a:gs>
+            <a:gs pos="100000">
+              <a:schemeClr val="phClr">
+                <a:tint val="15000"/>
+                <a:satMod val="350000"/>
+              </a:schemeClr>
+            </a:gs>
+          </a:gsLst>
+          <a:lin ang="16200000" scaled="1"/>
+        </a:gradFill>
+        <a:gradFill rotWithShape="1">
+          <a:gsLst>
+            <a:gs pos="0">
+              <a:schemeClr val="phClr">
+                <a:tint val="100000"/>
+                <a:shade val="100000"/>
+                <a:satMod val="130000"/>
+              </a:schemeClr>
+            </a:gs>
+            <a:gs pos="100000">
+              <a:schemeClr val="phClr">
+                <a:tint val="50000"/>
+                <a:shade val="100000"/>
+                <a:satMod val="350000"/>
+              </a:schemeClr>
+            </a:gs>
+          </a:gsLst>
+          <a:lin ang="16200000" scaled="0"/>
+        </a:gradFill>
+      </a:fillStyleLst>
+      <a:lnStyleLst>
+        <a:ln w="9525" cap="flat" cmpd="sng" algn="ctr">
+          <a:solidFill>
+            <a:schemeClr val="phClr">
+              <a:shade val="95000"/>
+              <a:satMod val="105000"/>
+            </a:schemeClr>
+          </a:solidFill>
+          <a:prstDash val="solid"/>
+        </a:ln>
+        <a:ln w="25400" cap="flat" cmpd="sng" algn="ctr">
+          <a:solidFill>
+            <a:schemeClr val="phClr"/>
+          </a:solidFill>
+          <a:prstDash val="solid"/>
+        </a:ln>
+        <a:ln w="38100" cap="flat" cmpd="sng" algn="ctr">
+          <a:solidFill>
+            <a:schemeClr val="phClr"/>
+          </a:solidFill>
+          <a:prstDash val="solid"/>
+        </a:ln>
+      </a:lnStyleLst>
+      <a:effectStyleLst>
+        <a:effectStyle>
+          <a:effectLst>
+            <a:outerShdw blurRad="40000" dist="20000" dir="5400000" rotWithShape="0">
+              <a:srgbClr val="000000">
+                <a:alpha val="38000"/>
+              </a:srgbClr>
+            </a:outerShdw>
+          </a:effectLst>
+        </a:effectStyle>
+        <a:effectStyle>
+          <a:effectLst>
+            <a:outerShdw blurRad="40000" dist="23000" dir="5400000" rotWithShape="0">
+              <a:srgbClr val="000000">
+                <a:alpha val="35000"/>
+              </a:srgbClr>
+            </a:outerShdw>
+          </a:effectLst>
+        </a:effectStyle>
+        <a:effectStyle>
+          <a:effectLst>
+            <a:outerShdw blurRad="40000" dist="23000" dir="5400000" rotWithShape="0">
+              <a:srgbClr val="000000">
+                <a:alpha val="35000"/>
+              </a:srgbClr>
+            </a:outerShdw>
+          </a:effectLst>
+          <a:scene3d>
+            <a:camera prst="orthographicFront">
+              <a:rot lat="0" lon="0" rev="0"/>
+            </a:camera>
+            <a:lightRig rig="threePt" dir="t">
+              <a:rot lat="0" lon="0" rev="1200000"/>
+            </a:lightRig>
+          </a:scene3d>
+          <a:sp3d>
+            <a:bevelT w="63500" h="25400"/>
+          </a:sp3d>
+        </a:effectStyle>
+      </a:effectStyleLst>
+      <a:bgFillStyleLst>
+        <a:solidFill>
+          <a:schemeClr val="phClr"/>
+        </a:solidFill>
+        <a:gradFill rotWithShape="1">
+          <a:gsLst>
+            <a:gs pos="0">
+              <a:schemeClr val="phClr">
+                <a:tint val="40000"/>
+                <a:satMod val="350000"/>
+              </a:schemeClr>
+            </a:gs>
+            <a:gs pos="40000">
+              <a:schemeClr val="phClr">
+                <a:tint val="45000"/>
+                <a:shade val="99000"/>
+                <a:satMod val="350000"/>
+              </a:schemeClr>
+            </a:gs>
+            <a:gs pos="100000">
+              <a:schemeClr val="phClr">
+                <a:shade val="20000"/>
+                <a:satMod val="255000"/>
+              </a:schemeClr>
+            </a:gs>
+          </a:gsLst>
+          <a:path path="circle">
+            <a:fillToRect l="50000" t="-80000" r="50000" b="180000"/>
+          </a:path>
+        </a:gradFill>
+        <a:gradFill rotWithShape="1">
+          <a:gsLst>
+            <a:gs pos="0">
+              <a:schemeClr val="phClr">
+                <a:tint val="80000"/>
+                <a:satMod val="300000"/>
+              </a:schemeClr>
+            </a:gs>
+            <a:gs pos="100000">
+              <a:schemeClr val="phClr">
+                <a:shade val="30000"/>
+                <a:satMod val="200000"/>
+              </a:schemeClr>
+            </a:gs>
+          </a:gsLst>
+          <a:path path="circle">
+            <a:fillToRect l="50000" t="50000" r="50000" b="50000"/>
+          </a:path>
+        </a:gradFill>
+      </a:bgFillStyleLst>
+    </a:fmtScheme>
+  </a:themeElements>
+</a:theme>
+</file>
+
+<file path=ppt/theme/theme2.xml><?xml version="1.0" encoding="utf-8"?>
 <a:theme xmlns:a="http://schemas.openxmlformats.org/drawingml/2006/main" xmlns:r="http://schemas.openxmlformats.org/officeDocument/2006/relationships" name="Momentum">
   <a:themeElements>
     <a:clrScheme name="Momentum">
@@ -20574,283 +21469,4 @@
     </a:fmtScheme>
   </a:themeElements>
 </a:theme>
-</file>
-
-<file path=ppt/theme/theme2.xml><?xml version="1.0" encoding="utf-8"?>
-<a:theme xmlns:a="http://schemas.openxmlformats.org/drawingml/2006/main" xmlns:r="http://schemas.openxmlformats.org/officeDocument/2006/relationships">
-  <a:themeElements>
-    <a:clrScheme name="Default">
-      <a:dk1>
-        <a:srgbClr val="000000"/>
-      </a:dk1>
-      <a:lt1>
-        <a:srgbClr val="FFFFFF"/>
-      </a:lt1>
-      <a:dk2>
-        <a:srgbClr val="158158"/>
-      </a:dk2>
-      <a:lt2>
-        <a:srgbClr val="F3F3F3"/>
-      </a:lt2>
-      <a:accent1>
-        <a:srgbClr val="058DC7"/>
-      </a:accent1>
-      <a:accent2>
-        <a:srgbClr val="50B432"/>
-      </a:accent2>
-      <a:accent3>
-        <a:srgbClr val="ED561B"/>
-      </a:accent3>
-      <a:accent4>
-        <a:srgbClr val="EDEF00"/>
-      </a:accent4>
-      <a:accent5>
-        <a:srgbClr val="24CBE5"/>
-      </a:accent5>
-      <a:accent6>
-        <a:srgbClr val="64E572"/>
-      </a:accent6>
-      <a:hlink>
-        <a:srgbClr val="2200CC"/>
-      </a:hlink>
-      <a:folHlink>
-        <a:srgbClr val="551A8B"/>
-      </a:folHlink>
-    </a:clrScheme>
-    <a:fontScheme name="Office">
-      <a:majorFont>
-        <a:latin typeface="Arial"/>
-        <a:ea typeface=""/>
-        <a:cs typeface=""/>
-        <a:font script="Jpan" typeface="ＭＳ Ｐゴシック"/>
-        <a:font script="Hang" typeface="맑은 고딕"/>
-        <a:font script="Hans" typeface="宋体"/>
-        <a:font script="Hant" typeface="新細明體"/>
-        <a:font script="Arab" typeface="Times New Roman"/>
-        <a:font script="Hebr" typeface="Times New Roman"/>
-        <a:font script="Thai" typeface="Angsana New"/>
-        <a:font script="Ethi" typeface="Nyala"/>
-        <a:font script="Beng" typeface="Vrinda"/>
-        <a:font script="Gujr" typeface="Shruti"/>
-        <a:font script="Khmr" typeface="MoolBoran"/>
-        <a:font script="Knda" typeface="Tunga"/>
-        <a:font script="Guru" typeface="Raavi"/>
-        <a:font script="Cans" typeface="Euphemia"/>
-        <a:font script="Cher" typeface="Plantagenet Cherokee"/>
-        <a:font script="Yiii" typeface="Microsoft Yi Baiti"/>
-        <a:font script="Tibt" typeface="Microsoft Himalaya"/>
-        <a:font script="Thaa" typeface="MV Boli"/>
-        <a:font script="Deva" typeface="Mangal"/>
-        <a:font script="Telu" typeface="Gautami"/>
-        <a:font script="Taml" typeface="Latha"/>
-        <a:font script="Syrc" typeface="Estrangelo Edessa"/>
-        <a:font script="Orya" typeface="Kalinga"/>
-        <a:font script="Mlym" typeface="Kartika"/>
-        <a:font script="Laoo" typeface="DokChampa"/>
-        <a:font script="Sinh" typeface="Iskoola Pota"/>
-        <a:font script="Mong" typeface="Mongolian Baiti"/>
-        <a:font script="Viet" typeface="Times New Roman"/>
-        <a:font script="Uigh" typeface="Microsoft Uighur"/>
-        <a:font script="Geor" typeface="Sylfaen"/>
-      </a:majorFont>
-      <a:minorFont>
-        <a:latin typeface="Arial"/>
-        <a:ea typeface=""/>
-        <a:cs typeface=""/>
-        <a:font script="Jpan" typeface="ＭＳ Ｐゴシック"/>
-        <a:font script="Hang" typeface="맑은 고딕"/>
-        <a:font script="Hans" typeface="宋体"/>
-        <a:font script="Hant" typeface="新細明體"/>
-        <a:font script="Arab" typeface="Arial"/>
-        <a:font script="Hebr" typeface="Arial"/>
-        <a:font script="Thai" typeface="Cordia New"/>
-        <a:font script="Ethi" typeface="Nyala"/>
-        <a:font script="Beng" typeface="Vrinda"/>
-        <a:font script="Gujr" typeface="Shruti"/>
-        <a:font script="Khmr" typeface="DaunPenh"/>
-        <a:font script="Knda" typeface="Tunga"/>
-        <a:font script="Guru" typeface="Raavi"/>
-        <a:font script="Cans" typeface="Euphemia"/>
-        <a:font script="Cher" typeface="Plantagenet Cherokee"/>
-        <a:font script="Yiii" typeface="Microsoft Yi Baiti"/>
-        <a:font script="Tibt" typeface="Microsoft Himalaya"/>
-        <a:font script="Thaa" typeface="MV Boli"/>
-        <a:font script="Deva" typeface="Mangal"/>
-        <a:font script="Telu" typeface="Gautami"/>
-        <a:font script="Taml" typeface="Latha"/>
-        <a:font script="Syrc" typeface="Estrangelo Edessa"/>
-        <a:font script="Orya" typeface="Kalinga"/>
-        <a:font script="Mlym" typeface="Kartika"/>
-        <a:font script="Laoo" typeface="DokChampa"/>
-        <a:font script="Sinh" typeface="Iskoola Pota"/>
-        <a:font script="Mong" typeface="Mongolian Baiti"/>
-        <a:font script="Viet" typeface="Arial"/>
-        <a:font script="Uigh" typeface="Microsoft Uighur"/>
-        <a:font script="Geor" typeface="Sylfaen"/>
-      </a:minorFont>
-    </a:fontScheme>
-    <a:fmtScheme name="Office">
-      <a:fillStyleLst>
-        <a:solidFill>
-          <a:schemeClr val="phClr"/>
-        </a:solidFill>
-        <a:gradFill rotWithShape="1">
-          <a:gsLst>
-            <a:gs pos="0">
-              <a:schemeClr val="phClr">
-                <a:tint val="50000"/>
-                <a:satMod val="300000"/>
-              </a:schemeClr>
-            </a:gs>
-            <a:gs pos="35000">
-              <a:schemeClr val="phClr">
-                <a:tint val="37000"/>
-                <a:satMod val="300000"/>
-              </a:schemeClr>
-            </a:gs>
-            <a:gs pos="100000">
-              <a:schemeClr val="phClr">
-                <a:tint val="15000"/>
-                <a:satMod val="350000"/>
-              </a:schemeClr>
-            </a:gs>
-          </a:gsLst>
-          <a:lin ang="16200000" scaled="1"/>
-        </a:gradFill>
-        <a:gradFill rotWithShape="1">
-          <a:gsLst>
-            <a:gs pos="0">
-              <a:schemeClr val="phClr">
-                <a:tint val="100000"/>
-                <a:shade val="100000"/>
-                <a:satMod val="130000"/>
-              </a:schemeClr>
-            </a:gs>
-            <a:gs pos="100000">
-              <a:schemeClr val="phClr">
-                <a:tint val="50000"/>
-                <a:shade val="100000"/>
-                <a:satMod val="350000"/>
-              </a:schemeClr>
-            </a:gs>
-          </a:gsLst>
-          <a:lin ang="16200000" scaled="0"/>
-        </a:gradFill>
-      </a:fillStyleLst>
-      <a:lnStyleLst>
-        <a:ln w="9525" cap="flat" cmpd="sng" algn="ctr">
-          <a:solidFill>
-            <a:schemeClr val="phClr">
-              <a:shade val="95000"/>
-              <a:satMod val="105000"/>
-            </a:schemeClr>
-          </a:solidFill>
-          <a:prstDash val="solid"/>
-        </a:ln>
-        <a:ln w="25400" cap="flat" cmpd="sng" algn="ctr">
-          <a:solidFill>
-            <a:schemeClr val="phClr"/>
-          </a:solidFill>
-          <a:prstDash val="solid"/>
-        </a:ln>
-        <a:ln w="38100" cap="flat" cmpd="sng" algn="ctr">
-          <a:solidFill>
-            <a:schemeClr val="phClr"/>
-          </a:solidFill>
-          <a:prstDash val="solid"/>
-        </a:ln>
-      </a:lnStyleLst>
-      <a:effectStyleLst>
-        <a:effectStyle>
-          <a:effectLst>
-            <a:outerShdw blurRad="40000" dist="20000" dir="5400000" rotWithShape="0">
-              <a:srgbClr val="000000">
-                <a:alpha val="38000"/>
-              </a:srgbClr>
-            </a:outerShdw>
-          </a:effectLst>
-        </a:effectStyle>
-        <a:effectStyle>
-          <a:effectLst>
-            <a:outerShdw blurRad="40000" dist="23000" dir="5400000" rotWithShape="0">
-              <a:srgbClr val="000000">
-                <a:alpha val="35000"/>
-              </a:srgbClr>
-            </a:outerShdw>
-          </a:effectLst>
-        </a:effectStyle>
-        <a:effectStyle>
-          <a:effectLst>
-            <a:outerShdw blurRad="40000" dist="23000" dir="5400000" rotWithShape="0">
-              <a:srgbClr val="000000">
-                <a:alpha val="35000"/>
-              </a:srgbClr>
-            </a:outerShdw>
-          </a:effectLst>
-          <a:scene3d>
-            <a:camera prst="orthographicFront">
-              <a:rot lat="0" lon="0" rev="0"/>
-            </a:camera>
-            <a:lightRig rig="threePt" dir="t">
-              <a:rot lat="0" lon="0" rev="1200000"/>
-            </a:lightRig>
-          </a:scene3d>
-          <a:sp3d>
-            <a:bevelT w="63500" h="25400"/>
-          </a:sp3d>
-        </a:effectStyle>
-      </a:effectStyleLst>
-      <a:bgFillStyleLst>
-        <a:solidFill>
-          <a:schemeClr val="phClr"/>
-        </a:solidFill>
-        <a:gradFill rotWithShape="1">
-          <a:gsLst>
-            <a:gs pos="0">
-              <a:schemeClr val="phClr">
-                <a:tint val="40000"/>
-                <a:satMod val="350000"/>
-              </a:schemeClr>
-            </a:gs>
-            <a:gs pos="40000">
-              <a:schemeClr val="phClr">
-                <a:tint val="45000"/>
-                <a:shade val="99000"/>
-                <a:satMod val="350000"/>
-              </a:schemeClr>
-            </a:gs>
-            <a:gs pos="100000">
-              <a:schemeClr val="phClr">
-                <a:shade val="20000"/>
-                <a:satMod val="255000"/>
-              </a:schemeClr>
-            </a:gs>
-          </a:gsLst>
-          <a:path path="circle">
-            <a:fillToRect l="50000" t="-80000" r="50000" b="180000"/>
-          </a:path>
-        </a:gradFill>
-        <a:gradFill rotWithShape="1">
-          <a:gsLst>
-            <a:gs pos="0">
-              <a:schemeClr val="phClr">
-                <a:tint val="80000"/>
-                <a:satMod val="300000"/>
-              </a:schemeClr>
-            </a:gs>
-            <a:gs pos="100000">
-              <a:schemeClr val="phClr">
-                <a:shade val="30000"/>
-                <a:satMod val="200000"/>
-              </a:schemeClr>
-            </a:gs>
-          </a:gsLst>
-          <a:path path="circle">
-            <a:fillToRect l="50000" t="50000" r="50000" b="50000"/>
-          </a:path>
-        </a:gradFill>
-      </a:bgFillStyleLst>
-    </a:fmtScheme>
-  </a:themeElements>
-</a:theme>
 </file>